--- a/High School/Modern Electricity and Electronics/Unit 3 - Ohm's Law/Section 2 - Power and Energy/Assets/Unit 3 - Section 2 - Electric and Power.pptx
+++ b/High School/Modern Electricity and Electronics/Unit 3 - Ohm's Law/Section 2 - Power and Energy/Assets/Unit 3 - Section 2 - Electric and Power.pptx
@@ -5,10 +5,10 @@
     <p:sldMasterId id="2147483705" r:id="rId1"/>
   </p:sldMasterIdLst>
   <p:notesMasterIdLst>
-    <p:notesMasterId r:id="rId18"/>
+    <p:notesMasterId r:id="rId22"/>
   </p:notesMasterIdLst>
   <p:handoutMasterIdLst>
-    <p:handoutMasterId r:id="rId19"/>
+    <p:handoutMasterId r:id="rId23"/>
   </p:handoutMasterIdLst>
   <p:sldIdLst>
     <p:sldId id="268" r:id="rId2"/>
@@ -27,6 +27,10 @@
     <p:sldId id="288" r:id="rId15"/>
     <p:sldId id="285" r:id="rId16"/>
     <p:sldId id="286" r:id="rId17"/>
+    <p:sldId id="290" r:id="rId18"/>
+    <p:sldId id="291" r:id="rId19"/>
+    <p:sldId id="292" r:id="rId20"/>
+    <p:sldId id="293" r:id="rId21"/>
   </p:sldIdLst>
   <p:sldSz cx="12192000" cy="6858000"/>
   <p:notesSz cx="6858000" cy="9144000"/>
@@ -229,7 +233,7 @@
           <a:p>
             <a:fld id="{6AC4FB8F-ED15-48AB-97BD-17129D4E699D}" type="datetimeFigureOut">
               <a:rPr lang="en-US" smtClean="0"/>
-              <a:t>10/19/2018</a:t>
+              <a:t>10/22/2018</a:t>
             </a:fld>
             <a:endParaRPr lang="en-US" dirty="0"/>
           </a:p>
@@ -394,7 +398,7 @@
           <a:p>
             <a:fld id="{BBC9D437-CD83-4825-AD0D-5E7B341BC79B}" type="datetimeFigureOut">
               <a:rPr lang="en-US" smtClean="0"/>
-              <a:t>10/19/2018</a:t>
+              <a:t>10/22/2018</a:t>
             </a:fld>
             <a:endParaRPr lang="en-US" dirty="0"/>
           </a:p>
@@ -887,7 +891,7 @@
           <a:p>
             <a:fld id="{85AB7CBB-843F-464A-A764-71D6ADC27CFA}" type="datetime1">
               <a:rPr lang="en-US" smtClean="0"/>
-              <a:t>10/19/2018</a:t>
+              <a:t>10/22/2018</a:t>
             </a:fld>
             <a:endParaRPr lang="en-US" dirty="0"/>
           </a:p>
@@ -1112,7 +1116,7 @@
           <a:p>
             <a:fld id="{CBEFC03D-3A1F-4813-9337-02411FCC3A9A}" type="datetime1">
               <a:rPr lang="en-US" smtClean="0"/>
-              <a:t>10/19/2018</a:t>
+              <a:t>10/22/2018</a:t>
             </a:fld>
             <a:endParaRPr lang="en-US" dirty="0"/>
           </a:p>
@@ -1384,7 +1388,7 @@
           <a:p>
             <a:fld id="{3D638F79-DFA0-4C26-9553-23A017B69AB6}" type="datetime1">
               <a:rPr lang="en-US" smtClean="0"/>
-              <a:t>10/19/2018</a:t>
+              <a:t>10/22/2018</a:t>
             </a:fld>
             <a:endParaRPr lang="en-US" dirty="0"/>
           </a:p>
@@ -1495,7 +1499,7 @@
           <a:p>
             <a:fld id="{AA615CA6-EC4D-4728-8AA6-534BE7E9B67C}" type="datetime1">
               <a:rPr lang="en-US" smtClean="0"/>
-              <a:t>10/19/2018</a:t>
+              <a:t>10/22/2018</a:t>
             </a:fld>
             <a:endParaRPr lang="en-US" dirty="0"/>
           </a:p>
@@ -1680,7 +1684,7 @@
           <a:p>
             <a:fld id="{A70B34E7-E1D9-4FBF-A1A0-4009669A00BF}" type="datetime1">
               <a:rPr lang="en-US" smtClean="0"/>
-              <a:t>10/19/2018</a:t>
+              <a:t>10/22/2018</a:t>
             </a:fld>
             <a:endParaRPr lang="en-US" dirty="0"/>
           </a:p>
@@ -2040,7 +2044,7 @@
           <a:p>
             <a:fld id="{20EBB0C4-6273-4C6E-B9BD-2EDC30F1CD52}" type="datetimeFigureOut">
               <a:rPr lang="en-US" smtClean="0"/>
-              <a:t>10/19/2018</a:t>
+              <a:t>10/22/2018</a:t>
             </a:fld>
             <a:endParaRPr lang="en-US" dirty="0"/>
           </a:p>
@@ -2327,7 +2331,7 @@
           <a:p>
             <a:fld id="{7579E8B6-2F47-420B-83EA-EB2285D13EC9}" type="datetime1">
               <a:rPr lang="en-US" smtClean="0"/>
-              <a:t>10/19/2018</a:t>
+              <a:t>10/22/2018</a:t>
             </a:fld>
             <a:endParaRPr lang="en-US" dirty="0"/>
           </a:p>
@@ -2722,7 +2726,7 @@
           <a:p>
             <a:fld id="{2304803D-B10E-4B90-8456-A0E05393E233}" type="datetime1">
               <a:rPr lang="en-US" smtClean="0"/>
-              <a:t>10/19/2018</a:t>
+              <a:t>10/22/2018</a:t>
             </a:fld>
             <a:endParaRPr lang="en-US" dirty="0"/>
           </a:p>
@@ -2856,7 +2860,7 @@
           <a:p>
             <a:fld id="{CCE1E62F-6CCE-4064-96C2-2084AF883904}" type="datetime1">
               <a:rPr lang="en-US" smtClean="0"/>
-              <a:t>10/19/2018</a:t>
+              <a:t>10/22/2018</a:t>
             </a:fld>
             <a:endParaRPr lang="en-US" dirty="0"/>
           </a:p>
@@ -3043,7 +3047,7 @@
           <a:p>
             <a:fld id="{AA615CA6-EC4D-4728-8AA6-534BE7E9B67C}" type="datetime1">
               <a:rPr lang="en-US" smtClean="0"/>
-              <a:t>10/19/2018</a:t>
+              <a:t>10/22/2018</a:t>
             </a:fld>
             <a:endParaRPr lang="en-US" dirty="0"/>
           </a:p>
@@ -3413,7 +3417,7 @@
           <a:p>
             <a:fld id="{A6139942-0A2E-443A-842F-D6DE74360370}" type="datetime1">
               <a:rPr lang="en-US" smtClean="0"/>
-              <a:t>10/19/2018</a:t>
+              <a:t>10/22/2018</a:t>
             </a:fld>
             <a:endParaRPr lang="en-US" dirty="0"/>
           </a:p>
@@ -3806,7 +3810,7 @@
           <a:p>
             <a:fld id="{C9CAD897-D46E-4AD2-BD9B-49DD3E640873}" type="datetimeFigureOut">
               <a:rPr lang="en-US" smtClean="0"/>
-              <a:t>10/19/2018</a:t>
+              <a:t>10/22/2018</a:t>
             </a:fld>
             <a:endParaRPr lang="en-US" dirty="0"/>
           </a:p>
@@ -3859,7 +3863,7 @@
           <p:cNvPr id="10" name="Rectangle 9">
             <a:extLst>
               <a:ext uri="{FF2B5EF4-FFF2-40B4-BE49-F238E27FC236}">
-                <a16:creationId xmlns:a16="http://schemas.microsoft.com/office/drawing/2014/main" id="{3DD56F55-9FC0-474B-ADC4-A77A47F498E4}"/>
+                <a16:creationId xmlns:a16="http://schemas.microsoft.com/office/drawing/2014/main" xmlns="" id="{3DD56F55-9FC0-474B-ADC4-A77A47F498E4}"/>
               </a:ext>
             </a:extLst>
           </p:cNvPr>
@@ -4157,7 +4161,7 @@
           <a:p>
             <a:fld id="{3F138946-C5C1-4A11-BA69-F12F43F8A94B}" type="datetime1">
               <a:rPr lang="en-US" smtClean="0"/>
-              <a:t>10/19/2018</a:t>
+              <a:t>10/22/2018</a:t>
             </a:fld>
             <a:endParaRPr lang="en-US" dirty="0"/>
           </a:p>
@@ -4776,7 +4780,7 @@
           <p:cNvPr id="4" name="Footer Placeholder 3">
             <a:extLst>
               <a:ext uri="{FF2B5EF4-FFF2-40B4-BE49-F238E27FC236}">
-                <a16:creationId xmlns:a16="http://schemas.microsoft.com/office/drawing/2014/main" id="{1BD89EEB-0D82-48BB-B45A-39C4807CF951}"/>
+                <a16:creationId xmlns:a16="http://schemas.microsoft.com/office/drawing/2014/main" xmlns="" id="{1BD89EEB-0D82-48BB-B45A-39C4807CF951}"/>
               </a:ext>
             </a:extLst>
           </p:cNvPr>
@@ -4846,7 +4850,7 @@
           <p:cNvPr id="2" name="Title 1">
             <a:extLst>
               <a:ext uri="{FF2B5EF4-FFF2-40B4-BE49-F238E27FC236}">
-                <a16:creationId xmlns:a16="http://schemas.microsoft.com/office/drawing/2014/main" id="{45053E2E-CDA8-45CF-ABC5-16C306BEB14C}"/>
+                <a16:creationId xmlns:a16="http://schemas.microsoft.com/office/drawing/2014/main" xmlns="" id="{45053E2E-CDA8-45CF-ABC5-16C306BEB14C}"/>
               </a:ext>
             </a:extLst>
           </p:cNvPr>
@@ -4874,7 +4878,7 @@
           <p:cNvPr id="3" name="Content Placeholder 2">
             <a:extLst>
               <a:ext uri="{FF2B5EF4-FFF2-40B4-BE49-F238E27FC236}">
-                <a16:creationId xmlns:a16="http://schemas.microsoft.com/office/drawing/2014/main" id="{F3A614AF-C144-4321-8CA5-D781C5470E56}"/>
+                <a16:creationId xmlns:a16="http://schemas.microsoft.com/office/drawing/2014/main" xmlns="" id="{F3A614AF-C144-4321-8CA5-D781C5470E56}"/>
               </a:ext>
             </a:extLst>
           </p:cNvPr>
@@ -4991,7 +4995,7 @@
           <p:cNvPr id="4" name="Footer Placeholder 3">
             <a:extLst>
               <a:ext uri="{FF2B5EF4-FFF2-40B4-BE49-F238E27FC236}">
-                <a16:creationId xmlns:a16="http://schemas.microsoft.com/office/drawing/2014/main" id="{B1035835-DE58-4E94-85B9-5446A9C027A4}"/>
+                <a16:creationId xmlns:a16="http://schemas.microsoft.com/office/drawing/2014/main" xmlns="" id="{B1035835-DE58-4E94-85B9-5446A9C027A4}"/>
               </a:ext>
             </a:extLst>
           </p:cNvPr>
@@ -5062,7 +5066,7 @@
           <p:cNvPr id="5" name="Title 4">
             <a:extLst>
               <a:ext uri="{FF2B5EF4-FFF2-40B4-BE49-F238E27FC236}">
-                <a16:creationId xmlns:a16="http://schemas.microsoft.com/office/drawing/2014/main" id="{CDC0DAF5-50E1-4BBE-95D4-84C50BB01BDF}"/>
+                <a16:creationId xmlns:a16="http://schemas.microsoft.com/office/drawing/2014/main" xmlns="" id="{CDC0DAF5-50E1-4BBE-95D4-84C50BB01BDF}"/>
               </a:ext>
             </a:extLst>
           </p:cNvPr>
@@ -5090,7 +5094,7 @@
           <p:cNvPr id="4" name="Footer Placeholder 3">
             <a:extLst>
               <a:ext uri="{FF2B5EF4-FFF2-40B4-BE49-F238E27FC236}">
-                <a16:creationId xmlns:a16="http://schemas.microsoft.com/office/drawing/2014/main" id="{4B9F48DB-12FB-4F7E-8836-3D16C42A6842}"/>
+                <a16:creationId xmlns:a16="http://schemas.microsoft.com/office/drawing/2014/main" xmlns="" id="{4B9F48DB-12FB-4F7E-8836-3D16C42A6842}"/>
               </a:ext>
             </a:extLst>
           </p:cNvPr>
@@ -5161,7 +5165,7 @@
           <p:cNvPr id="2" name="Title 1">
             <a:extLst>
               <a:ext uri="{FF2B5EF4-FFF2-40B4-BE49-F238E27FC236}">
-                <a16:creationId xmlns:a16="http://schemas.microsoft.com/office/drawing/2014/main" id="{7AAD9E9C-644B-40CF-8B60-7CD77F3EAC65}"/>
+                <a16:creationId xmlns:a16="http://schemas.microsoft.com/office/drawing/2014/main" xmlns="" id="{7AAD9E9C-644B-40CF-8B60-7CD77F3EAC65}"/>
               </a:ext>
             </a:extLst>
           </p:cNvPr>
@@ -5189,7 +5193,7 @@
           <p:cNvPr id="3" name="Text Placeholder 2">
             <a:extLst>
               <a:ext uri="{FF2B5EF4-FFF2-40B4-BE49-F238E27FC236}">
-                <a16:creationId xmlns:a16="http://schemas.microsoft.com/office/drawing/2014/main" id="{F1416FA5-60EE-4E88-BF08-02C91A452D67}"/>
+                <a16:creationId xmlns:a16="http://schemas.microsoft.com/office/drawing/2014/main" xmlns="" id="{F1416FA5-60EE-4E88-BF08-02C91A452D67}"/>
               </a:ext>
             </a:extLst>
           </p:cNvPr>
@@ -5214,7 +5218,7 @@
           <p:cNvPr id="4" name="Footer Placeholder 3">
             <a:extLst>
               <a:ext uri="{FF2B5EF4-FFF2-40B4-BE49-F238E27FC236}">
-                <a16:creationId xmlns:a16="http://schemas.microsoft.com/office/drawing/2014/main" id="{C38F2B1D-5AE8-4375-BC2B-5E2210E6B93D}"/>
+                <a16:creationId xmlns:a16="http://schemas.microsoft.com/office/drawing/2014/main" xmlns="" id="{C38F2B1D-5AE8-4375-BC2B-5E2210E6B93D}"/>
               </a:ext>
             </a:extLst>
           </p:cNvPr>
@@ -5281,7 +5285,7 @@
           <p:cNvPr id="5" name="Title 4">
             <a:extLst>
               <a:ext uri="{FF2B5EF4-FFF2-40B4-BE49-F238E27FC236}">
-                <a16:creationId xmlns:a16="http://schemas.microsoft.com/office/drawing/2014/main" id="{46285E71-5B74-4947-B192-667DF0B25BDD}"/>
+                <a16:creationId xmlns:a16="http://schemas.microsoft.com/office/drawing/2014/main" xmlns="" id="{46285E71-5B74-4947-B192-667DF0B25BDD}"/>
               </a:ext>
             </a:extLst>
           </p:cNvPr>
@@ -5309,7 +5313,7 @@
           <p:cNvPr id="6" name="Content Placeholder 5">
             <a:extLst>
               <a:ext uri="{FF2B5EF4-FFF2-40B4-BE49-F238E27FC236}">
-                <a16:creationId xmlns:a16="http://schemas.microsoft.com/office/drawing/2014/main" id="{E93DA7A0-E9F9-49DF-85D8-84EF29A4AB02}"/>
+                <a16:creationId xmlns:a16="http://schemas.microsoft.com/office/drawing/2014/main" xmlns="" id="{E93DA7A0-E9F9-49DF-85D8-84EF29A4AB02}"/>
               </a:ext>
             </a:extLst>
           </p:cNvPr>
@@ -5395,7 +5399,7 @@
           <p:cNvPr id="4" name="Footer Placeholder 3">
             <a:extLst>
               <a:ext uri="{FF2B5EF4-FFF2-40B4-BE49-F238E27FC236}">
-                <a16:creationId xmlns:a16="http://schemas.microsoft.com/office/drawing/2014/main" id="{3A83E97C-084E-42C9-A293-26482ADBC43B}"/>
+                <a16:creationId xmlns:a16="http://schemas.microsoft.com/office/drawing/2014/main" xmlns="" id="{3A83E97C-084E-42C9-A293-26482ADBC43B}"/>
               </a:ext>
             </a:extLst>
           </p:cNvPr>
@@ -5462,7 +5466,7 @@
           <p:cNvPr id="2" name="Title 1">
             <a:extLst>
               <a:ext uri="{FF2B5EF4-FFF2-40B4-BE49-F238E27FC236}">
-                <a16:creationId xmlns:a16="http://schemas.microsoft.com/office/drawing/2014/main" id="{BBFF0D00-89FD-4E98-BEB1-3C14257420EC}"/>
+                <a16:creationId xmlns:a16="http://schemas.microsoft.com/office/drawing/2014/main" xmlns="" id="{BBFF0D00-89FD-4E98-BEB1-3C14257420EC}"/>
               </a:ext>
             </a:extLst>
           </p:cNvPr>
@@ -5490,7 +5494,7 @@
           <p:cNvPr id="3" name="Content Placeholder 2">
             <a:extLst>
               <a:ext uri="{FF2B5EF4-FFF2-40B4-BE49-F238E27FC236}">
-                <a16:creationId xmlns:a16="http://schemas.microsoft.com/office/drawing/2014/main" id="{A7BA6B08-D3F4-43CD-81E4-5A5504F85073}"/>
+                <a16:creationId xmlns:a16="http://schemas.microsoft.com/office/drawing/2014/main" xmlns="" id="{A7BA6B08-D3F4-43CD-81E4-5A5504F85073}"/>
               </a:ext>
             </a:extLst>
           </p:cNvPr>
@@ -5608,7 +5612,7 @@
           <p:cNvPr id="4" name="Footer Placeholder 3">
             <a:extLst>
               <a:ext uri="{FF2B5EF4-FFF2-40B4-BE49-F238E27FC236}">
-                <a16:creationId xmlns:a16="http://schemas.microsoft.com/office/drawing/2014/main" id="{7C35F161-54A9-47C9-BB10-85BDF717D57D}"/>
+                <a16:creationId xmlns:a16="http://schemas.microsoft.com/office/drawing/2014/main" xmlns="" id="{7C35F161-54A9-47C9-BB10-85BDF717D57D}"/>
               </a:ext>
             </a:extLst>
           </p:cNvPr>
@@ -5679,7 +5683,7 @@
           <p:cNvPr id="2" name="Title 1">
             <a:extLst>
               <a:ext uri="{FF2B5EF4-FFF2-40B4-BE49-F238E27FC236}">
-                <a16:creationId xmlns:a16="http://schemas.microsoft.com/office/drawing/2014/main" id="{E8A3BFC9-1719-40C0-A257-2BFA8C844E46}"/>
+                <a16:creationId xmlns:a16="http://schemas.microsoft.com/office/drawing/2014/main" xmlns="" id="{E8A3BFC9-1719-40C0-A257-2BFA8C844E46}"/>
               </a:ext>
             </a:extLst>
           </p:cNvPr>
@@ -5707,7 +5711,7 @@
           <p:cNvPr id="3" name="Content Placeholder 2">
             <a:extLst>
               <a:ext uri="{FF2B5EF4-FFF2-40B4-BE49-F238E27FC236}">
-                <a16:creationId xmlns:a16="http://schemas.microsoft.com/office/drawing/2014/main" id="{17110B9E-FF1E-47BC-B1A7-D9D083B55DC0}"/>
+                <a16:creationId xmlns:a16="http://schemas.microsoft.com/office/drawing/2014/main" xmlns="" id="{17110B9E-FF1E-47BC-B1A7-D9D083B55DC0}"/>
               </a:ext>
             </a:extLst>
           </p:cNvPr>
@@ -5754,7 +5758,7 @@
           <p:cNvPr id="4" name="Footer Placeholder 3">
             <a:extLst>
               <a:ext uri="{FF2B5EF4-FFF2-40B4-BE49-F238E27FC236}">
-                <a16:creationId xmlns:a16="http://schemas.microsoft.com/office/drawing/2014/main" id="{33008270-D0C2-4BEE-9CDB-02091B79AAF8}"/>
+                <a16:creationId xmlns:a16="http://schemas.microsoft.com/office/drawing/2014/main" xmlns="" id="{33008270-D0C2-4BEE-9CDB-02091B79AAF8}"/>
               </a:ext>
             </a:extLst>
           </p:cNvPr>
@@ -5825,7 +5829,7 @@
           <p:cNvPr id="2" name="Title 1">
             <a:extLst>
               <a:ext uri="{FF2B5EF4-FFF2-40B4-BE49-F238E27FC236}">
-                <a16:creationId xmlns:a16="http://schemas.microsoft.com/office/drawing/2014/main" id="{E8A3BFC9-1719-40C0-A257-2BFA8C844E46}"/>
+                <a16:creationId xmlns:a16="http://schemas.microsoft.com/office/drawing/2014/main" xmlns="" id="{E8A3BFC9-1719-40C0-A257-2BFA8C844E46}"/>
               </a:ext>
             </a:extLst>
           </p:cNvPr>
@@ -5853,7 +5857,7 @@
           <p:cNvPr id="3" name="Content Placeholder 2">
             <a:extLst>
               <a:ext uri="{FF2B5EF4-FFF2-40B4-BE49-F238E27FC236}">
-                <a16:creationId xmlns:a16="http://schemas.microsoft.com/office/drawing/2014/main" id="{17110B9E-FF1E-47BC-B1A7-D9D083B55DC0}"/>
+                <a16:creationId xmlns:a16="http://schemas.microsoft.com/office/drawing/2014/main" xmlns="" id="{17110B9E-FF1E-47BC-B1A7-D9D083B55DC0}"/>
               </a:ext>
             </a:extLst>
           </p:cNvPr>
@@ -5967,7 +5971,7 @@
           <p:cNvPr id="4" name="Footer Placeholder 3">
             <a:extLst>
               <a:ext uri="{FF2B5EF4-FFF2-40B4-BE49-F238E27FC236}">
-                <a16:creationId xmlns:a16="http://schemas.microsoft.com/office/drawing/2014/main" id="{33008270-D0C2-4BEE-9CDB-02091B79AAF8}"/>
+                <a16:creationId xmlns:a16="http://schemas.microsoft.com/office/drawing/2014/main" xmlns="" id="{33008270-D0C2-4BEE-9CDB-02091B79AAF8}"/>
               </a:ext>
             </a:extLst>
           </p:cNvPr>
@@ -5995,6 +5999,474 @@
     <p:extLst>
       <p:ext uri="{BB962C8B-B14F-4D97-AF65-F5344CB8AC3E}">
         <p14:creationId xmlns:p14="http://schemas.microsoft.com/office/powerpoint/2010/main" val="1070465979"/>
+      </p:ext>
+    </p:extLst>
+  </p:cSld>
+  <p:clrMapOvr>
+    <a:masterClrMapping/>
+  </p:clrMapOvr>
+  <mc:AlternateContent xmlns:mc="http://schemas.openxmlformats.org/markup-compatibility/2006" xmlns:p14="http://schemas.microsoft.com/office/powerpoint/2010/main">
+    <mc:Choice Requires="p14">
+      <p:transition spd="med" p14:dur="700">
+        <p:fade/>
+      </p:transition>
+    </mc:Choice>
+    <mc:Fallback xmlns="">
+      <p:transition spd="med">
+        <p:fade/>
+      </p:transition>
+    </mc:Fallback>
+  </mc:AlternateContent>
+</p:sld>
+</file>
+
+<file path=ppt/slides/slide17.xml><?xml version="1.0" encoding="utf-8"?>
+<p:sld xmlns:a="http://schemas.openxmlformats.org/drawingml/2006/main" xmlns:r="http://schemas.openxmlformats.org/officeDocument/2006/relationships" xmlns:p="http://schemas.openxmlformats.org/presentationml/2006/main">
+  <p:cSld>
+    <p:spTree>
+      <p:nvGrpSpPr>
+        <p:cNvPr id="1" name=""/>
+        <p:cNvGrpSpPr/>
+        <p:nvPr/>
+      </p:nvGrpSpPr>
+      <p:grpSpPr>
+        <a:xfrm>
+          <a:off x="0" y="0"/>
+          <a:ext cx="0" cy="0"/>
+          <a:chOff x="0" y="0"/>
+          <a:chExt cx="0" cy="0"/>
+        </a:xfrm>
+      </p:grpSpPr>
+      <p:sp>
+        <p:nvSpPr>
+          <p:cNvPr id="5" name="Title 4">
+            <a:extLst>
+              <a:ext uri="{FF2B5EF4-FFF2-40B4-BE49-F238E27FC236}">
+                <a16:creationId xmlns:a16="http://schemas.microsoft.com/office/drawing/2014/main" xmlns="" id="{CDC0DAF5-50E1-4BBE-95D4-84C50BB01BDF}"/>
+              </a:ext>
+            </a:extLst>
+          </p:cNvPr>
+          <p:cNvSpPr>
+            <a:spLocks noGrp="1"/>
+          </p:cNvSpPr>
+          <p:nvPr>
+            <p:ph type="title"/>
+          </p:nvPr>
+        </p:nvSpPr>
+        <p:spPr/>
+        <p:txBody>
+          <a:bodyPr/>
+          <a:lstStyle/>
+          <a:p>
+            <a:r>
+              <a:rPr lang="en-US" dirty="0"/>
+              <a:t>LP </a:t>
+            </a:r>
+            <a:r>
+              <a:rPr lang="en-US" dirty="0" smtClean="0"/>
+              <a:t>3</a:t>
+            </a:r>
+            <a:endParaRPr lang="en-US" dirty="0"/>
+          </a:p>
+        </p:txBody>
+      </p:sp>
+      <p:sp>
+        <p:nvSpPr>
+          <p:cNvPr id="4" name="Footer Placeholder 3">
+            <a:extLst>
+              <a:ext uri="{FF2B5EF4-FFF2-40B4-BE49-F238E27FC236}">
+                <a16:creationId xmlns:a16="http://schemas.microsoft.com/office/drawing/2014/main" xmlns="" id="{4B9F48DB-12FB-4F7E-8836-3D16C42A6842}"/>
+              </a:ext>
+            </a:extLst>
+          </p:cNvPr>
+          <p:cNvSpPr>
+            <a:spLocks noGrp="1"/>
+          </p:cNvSpPr>
+          <p:nvPr>
+            <p:ph type="ftr" sz="quarter" idx="11"/>
+          </p:nvPr>
+        </p:nvSpPr>
+        <p:spPr/>
+        <p:txBody>
+          <a:bodyPr/>
+          <a:lstStyle/>
+          <a:p>
+            <a:r>
+              <a:rPr lang="en-US"/>
+              <a:t>Add a footer</a:t>
+            </a:r>
+            <a:endParaRPr lang="en-US" dirty="0"/>
+          </a:p>
+        </p:txBody>
+      </p:sp>
+    </p:spTree>
+    <p:extLst>
+      <p:ext uri="{BB962C8B-B14F-4D97-AF65-F5344CB8AC3E}">
+        <p14:creationId xmlns:p14="http://schemas.microsoft.com/office/powerpoint/2010/main" val="1608283181"/>
+      </p:ext>
+    </p:extLst>
+  </p:cSld>
+  <p:clrMapOvr>
+    <a:masterClrMapping/>
+  </p:clrMapOvr>
+  <mc:AlternateContent xmlns:mc="http://schemas.openxmlformats.org/markup-compatibility/2006" xmlns:p14="http://schemas.microsoft.com/office/powerpoint/2010/main">
+    <mc:Choice Requires="p14">
+      <p:transition spd="med" p14:dur="700">
+        <p:fade/>
+      </p:transition>
+    </mc:Choice>
+    <mc:Fallback xmlns="">
+      <p:transition spd="med">
+        <p:fade/>
+      </p:transition>
+    </mc:Fallback>
+  </mc:AlternateContent>
+</p:sld>
+</file>
+
+<file path=ppt/slides/slide18.xml><?xml version="1.0" encoding="utf-8"?>
+<p:sld xmlns:a="http://schemas.openxmlformats.org/drawingml/2006/main" xmlns:r="http://schemas.openxmlformats.org/officeDocument/2006/relationships" xmlns:p="http://schemas.openxmlformats.org/presentationml/2006/main">
+  <p:cSld>
+    <p:spTree>
+      <p:nvGrpSpPr>
+        <p:cNvPr id="1" name=""/>
+        <p:cNvGrpSpPr/>
+        <p:nvPr/>
+      </p:nvGrpSpPr>
+      <p:grpSpPr>
+        <a:xfrm>
+          <a:off x="0" y="0"/>
+          <a:ext cx="0" cy="0"/>
+          <a:chOff x="0" y="0"/>
+          <a:chExt cx="0" cy="0"/>
+        </a:xfrm>
+      </p:grpSpPr>
+      <p:sp>
+        <p:nvSpPr>
+          <p:cNvPr id="5" name="Title 4">
+            <a:extLst>
+              <a:ext uri="{FF2B5EF4-FFF2-40B4-BE49-F238E27FC236}">
+                <a16:creationId xmlns:a16="http://schemas.microsoft.com/office/drawing/2014/main" xmlns="" id="{46285E71-5B74-4947-B192-667DF0B25BDD}"/>
+              </a:ext>
+            </a:extLst>
+          </p:cNvPr>
+          <p:cNvSpPr>
+            <a:spLocks noGrp="1"/>
+          </p:cNvSpPr>
+          <p:nvPr>
+            <p:ph type="title"/>
+          </p:nvPr>
+        </p:nvSpPr>
+        <p:spPr/>
+        <p:txBody>
+          <a:bodyPr/>
+          <a:lstStyle/>
+          <a:p>
+            <a:r>
+              <a:rPr lang="en-US" dirty="0" smtClean="0"/>
+              <a:t>This Week in E&amp;E</a:t>
+            </a:r>
+            <a:endParaRPr lang="en-US" dirty="0"/>
+          </a:p>
+        </p:txBody>
+      </p:sp>
+      <p:sp>
+        <p:nvSpPr>
+          <p:cNvPr id="6" name="Content Placeholder 5">
+            <a:extLst>
+              <a:ext uri="{FF2B5EF4-FFF2-40B4-BE49-F238E27FC236}">
+                <a16:creationId xmlns:a16="http://schemas.microsoft.com/office/drawing/2014/main" xmlns="" id="{E93DA7A0-E9F9-49DF-85D8-84EF29A4AB02}"/>
+              </a:ext>
+            </a:extLst>
+          </p:cNvPr>
+          <p:cNvSpPr>
+            <a:spLocks noGrp="1"/>
+          </p:cNvSpPr>
+          <p:nvPr>
+            <p:ph idx="1"/>
+          </p:nvPr>
+        </p:nvSpPr>
+        <p:spPr/>
+        <p:txBody>
+          <a:bodyPr/>
+          <a:lstStyle/>
+          <a:p>
+            <a:pPr>
+              <a:buFont typeface="Wingdings" panose="05000000000000000000" pitchFamily="2" charset="2"/>
+              <a:buChar char="§"/>
+            </a:pPr>
+            <a:r>
+              <a:rPr lang="en-US" dirty="0"/>
+              <a:t> </a:t>
+            </a:r>
+            <a:r>
+              <a:rPr lang="en-US" dirty="0" smtClean="0"/>
+              <a:t>Working on FM radio</a:t>
+            </a:r>
+          </a:p>
+          <a:p>
+            <a:pPr lvl="1">
+              <a:buFont typeface="Wingdings" panose="05000000000000000000" pitchFamily="2" charset="2"/>
+              <a:buChar char="§"/>
+            </a:pPr>
+            <a:r>
+              <a:rPr lang="en-US" dirty="0" smtClean="0"/>
+              <a:t>By Friday you should be starting to or close to testing section 1</a:t>
+            </a:r>
+          </a:p>
+          <a:p>
+            <a:pPr lvl="1">
+              <a:buFont typeface="Wingdings" panose="05000000000000000000" pitchFamily="2" charset="2"/>
+              <a:buChar char="§"/>
+            </a:pPr>
+            <a:r>
+              <a:rPr lang="en-US" dirty="0" smtClean="0"/>
+              <a:t>Reminder, work slow, take your time</a:t>
+            </a:r>
+          </a:p>
+          <a:p>
+            <a:pPr lvl="1">
+              <a:buFont typeface="Wingdings" panose="05000000000000000000" pitchFamily="2" charset="2"/>
+              <a:buChar char="§"/>
+            </a:pPr>
+            <a:r>
+              <a:rPr lang="en-US" dirty="0" smtClean="0"/>
+              <a:t>These soldering projects are to improve our skill from our previous Euro alarm</a:t>
+            </a:r>
+            <a:endParaRPr lang="en-US" dirty="0" smtClean="0"/>
+          </a:p>
+          <a:p>
+            <a:pPr lvl="1">
+              <a:buFont typeface="Wingdings" panose="05000000000000000000" pitchFamily="2" charset="2"/>
+              <a:buChar char="§"/>
+            </a:pPr>
+            <a:r>
+              <a:rPr lang="en-US" dirty="0" smtClean="0"/>
+              <a:t>Smaller contact points needs higher attention to connection for a successful radio</a:t>
+            </a:r>
+            <a:endParaRPr lang="en-US" dirty="0"/>
+          </a:p>
+          <a:p>
+            <a:pPr>
+              <a:buFont typeface="Wingdings" panose="05000000000000000000" pitchFamily="2" charset="2"/>
+              <a:buChar char="§"/>
+            </a:pPr>
+            <a:r>
+              <a:rPr lang="en-US" dirty="0"/>
+              <a:t> </a:t>
+            </a:r>
+            <a:r>
+              <a:rPr lang="en-US" dirty="0" smtClean="0"/>
+              <a:t>Friday will also be a 80/20 day</a:t>
+            </a:r>
+          </a:p>
+          <a:p>
+            <a:pPr>
+              <a:buFont typeface="Wingdings" panose="05000000000000000000" pitchFamily="2" charset="2"/>
+              <a:buChar char="§"/>
+            </a:pPr>
+            <a:r>
+              <a:rPr lang="en-US" dirty="0"/>
+              <a:t> </a:t>
+            </a:r>
+            <a:r>
+              <a:rPr lang="en-US" dirty="0" smtClean="0"/>
+              <a:t>Going to begin ‘Series Circuit’ tomorrow, Tuesday</a:t>
+            </a:r>
+          </a:p>
+          <a:p>
+            <a:pPr>
+              <a:buFont typeface="Wingdings" panose="05000000000000000000" pitchFamily="2" charset="2"/>
+              <a:buChar char="§"/>
+            </a:pPr>
+            <a:r>
+              <a:rPr lang="en-US" dirty="0" smtClean="0"/>
+              <a:t>Unit 3 – Ohm’s Law quiz will open up Friday 9AM</a:t>
+            </a:r>
+          </a:p>
+          <a:p>
+            <a:pPr>
+              <a:buFont typeface="Wingdings" panose="05000000000000000000" pitchFamily="2" charset="2"/>
+              <a:buChar char="§"/>
+            </a:pPr>
+            <a:endParaRPr lang="en-US" b="1" dirty="0"/>
+          </a:p>
+        </p:txBody>
+      </p:sp>
+      <p:sp>
+        <p:nvSpPr>
+          <p:cNvPr id="4" name="Footer Placeholder 3">
+            <a:extLst>
+              <a:ext uri="{FF2B5EF4-FFF2-40B4-BE49-F238E27FC236}">
+                <a16:creationId xmlns:a16="http://schemas.microsoft.com/office/drawing/2014/main" xmlns="" id="{3A83E97C-084E-42C9-A293-26482ADBC43B}"/>
+              </a:ext>
+            </a:extLst>
+          </p:cNvPr>
+          <p:cNvSpPr>
+            <a:spLocks noGrp="1"/>
+          </p:cNvSpPr>
+          <p:nvPr>
+            <p:ph type="ftr" sz="quarter" idx="11"/>
+          </p:nvPr>
+        </p:nvSpPr>
+        <p:spPr/>
+        <p:txBody>
+          <a:bodyPr/>
+          <a:lstStyle/>
+          <a:p>
+            <a:endParaRPr lang="en-US" dirty="0"/>
+          </a:p>
+        </p:txBody>
+      </p:sp>
+    </p:spTree>
+    <p:extLst>
+      <p:ext uri="{BB962C8B-B14F-4D97-AF65-F5344CB8AC3E}">
+        <p14:creationId xmlns:p14="http://schemas.microsoft.com/office/powerpoint/2010/main" val="2696526175"/>
+      </p:ext>
+    </p:extLst>
+  </p:cSld>
+  <p:clrMapOvr>
+    <a:masterClrMapping/>
+  </p:clrMapOvr>
+  <mc:AlternateContent xmlns:mc="http://schemas.openxmlformats.org/markup-compatibility/2006" xmlns:p14="http://schemas.microsoft.com/office/powerpoint/2010/main">
+    <mc:Choice Requires="p14">
+      <p:transition spd="med" p14:dur="700">
+        <p:fade/>
+      </p:transition>
+    </mc:Choice>
+    <mc:Fallback xmlns="">
+      <p:transition spd="med">
+        <p:fade/>
+      </p:transition>
+    </mc:Fallback>
+  </mc:AlternateContent>
+</p:sld>
+</file>
+
+<file path=ppt/slides/slide19.xml><?xml version="1.0" encoding="utf-8"?>
+<p:sld xmlns:a="http://schemas.openxmlformats.org/drawingml/2006/main" xmlns:r="http://schemas.openxmlformats.org/officeDocument/2006/relationships" xmlns:p="http://schemas.openxmlformats.org/presentationml/2006/main">
+  <p:cSld>
+    <p:spTree>
+      <p:nvGrpSpPr>
+        <p:cNvPr id="1" name=""/>
+        <p:cNvGrpSpPr/>
+        <p:nvPr/>
+      </p:nvGrpSpPr>
+      <p:grpSpPr>
+        <a:xfrm>
+          <a:off x="0" y="0"/>
+          <a:ext cx="0" cy="0"/>
+          <a:chOff x="0" y="0"/>
+          <a:chExt cx="0" cy="0"/>
+        </a:xfrm>
+      </p:grpSpPr>
+      <p:sp>
+        <p:nvSpPr>
+          <p:cNvPr id="2" name="Title 1">
+            <a:extLst>
+              <a:ext uri="{FF2B5EF4-FFF2-40B4-BE49-F238E27FC236}">
+                <a16:creationId xmlns:a16="http://schemas.microsoft.com/office/drawing/2014/main" xmlns="" id="{E8A3BFC9-1719-40C0-A257-2BFA8C844E46}"/>
+              </a:ext>
+            </a:extLst>
+          </p:cNvPr>
+          <p:cNvSpPr>
+            <a:spLocks noGrp="1"/>
+          </p:cNvSpPr>
+          <p:nvPr>
+            <p:ph type="title"/>
+          </p:nvPr>
+        </p:nvSpPr>
+        <p:spPr/>
+        <p:txBody>
+          <a:bodyPr/>
+          <a:lstStyle/>
+          <a:p>
+            <a:r>
+              <a:rPr lang="en-US" dirty="0"/>
+              <a:t>Power </a:t>
+            </a:r>
+            <a:r>
+              <a:rPr lang="en-US" dirty="0" smtClean="0"/>
+              <a:t>Formula</a:t>
+            </a:r>
+            <a:endParaRPr lang="en-US" dirty="0"/>
+          </a:p>
+        </p:txBody>
+      </p:sp>
+      <p:sp>
+        <p:nvSpPr>
+          <p:cNvPr id="3" name="Content Placeholder 2">
+            <a:extLst>
+              <a:ext uri="{FF2B5EF4-FFF2-40B4-BE49-F238E27FC236}">
+                <a16:creationId xmlns:a16="http://schemas.microsoft.com/office/drawing/2014/main" xmlns="" id="{17110B9E-FF1E-47BC-B1A7-D9D083B55DC0}"/>
+              </a:ext>
+            </a:extLst>
+          </p:cNvPr>
+          <p:cNvSpPr>
+            <a:spLocks noGrp="1"/>
+          </p:cNvSpPr>
+          <p:nvPr>
+            <p:ph idx="1"/>
+          </p:nvPr>
+        </p:nvSpPr>
+        <p:spPr/>
+        <p:txBody>
+          <a:bodyPr/>
+          <a:lstStyle/>
+          <a:p>
+            <a:pPr marL="0" indent="0" algn="ctr">
+              <a:buNone/>
+            </a:pPr>
+            <a:r>
+              <a:rPr lang="en-US" sz="13800" b="1" dirty="0" smtClean="0"/>
+              <a:t>P </a:t>
+            </a:r>
+            <a:r>
+              <a:rPr lang="en-US" sz="13800" b="1" dirty="0"/>
+              <a:t>= V x I</a:t>
+            </a:r>
+          </a:p>
+          <a:p>
+            <a:pPr marL="0" indent="0">
+              <a:buNone/>
+            </a:pPr>
+            <a:endParaRPr lang="en-US" b="1" dirty="0"/>
+          </a:p>
+        </p:txBody>
+      </p:sp>
+      <p:sp>
+        <p:nvSpPr>
+          <p:cNvPr id="4" name="Footer Placeholder 3">
+            <a:extLst>
+              <a:ext uri="{FF2B5EF4-FFF2-40B4-BE49-F238E27FC236}">
+                <a16:creationId xmlns:a16="http://schemas.microsoft.com/office/drawing/2014/main" xmlns="" id="{33008270-D0C2-4BEE-9CDB-02091B79AAF8}"/>
+              </a:ext>
+            </a:extLst>
+          </p:cNvPr>
+          <p:cNvSpPr>
+            <a:spLocks noGrp="1"/>
+          </p:cNvSpPr>
+          <p:nvPr>
+            <p:ph type="ftr" sz="quarter" idx="11"/>
+          </p:nvPr>
+        </p:nvSpPr>
+        <p:spPr/>
+        <p:txBody>
+          <a:bodyPr/>
+          <a:lstStyle/>
+          <a:p>
+            <a:r>
+              <a:rPr lang="en-US"/>
+              <a:t>Add a footer</a:t>
+            </a:r>
+            <a:endParaRPr lang="en-US" dirty="0"/>
+          </a:p>
+        </p:txBody>
+      </p:sp>
+    </p:spTree>
+    <p:extLst>
+      <p:ext uri="{BB962C8B-B14F-4D97-AF65-F5344CB8AC3E}">
+        <p14:creationId xmlns:p14="http://schemas.microsoft.com/office/powerpoint/2010/main" val="885617912"/>
       </p:ext>
     </p:extLst>
   </p:cSld>
@@ -6038,7 +6510,7 @@
           <p:cNvPr id="2" name="Title 1">
             <a:extLst>
               <a:ext uri="{FF2B5EF4-FFF2-40B4-BE49-F238E27FC236}">
-                <a16:creationId xmlns:a16="http://schemas.microsoft.com/office/drawing/2014/main" id="{7AAD9E9C-644B-40CF-8B60-7CD77F3EAC65}"/>
+                <a16:creationId xmlns:a16="http://schemas.microsoft.com/office/drawing/2014/main" xmlns="" id="{7AAD9E9C-644B-40CF-8B60-7CD77F3EAC65}"/>
               </a:ext>
             </a:extLst>
           </p:cNvPr>
@@ -6066,7 +6538,7 @@
           <p:cNvPr id="3" name="Text Placeholder 2">
             <a:extLst>
               <a:ext uri="{FF2B5EF4-FFF2-40B4-BE49-F238E27FC236}">
-                <a16:creationId xmlns:a16="http://schemas.microsoft.com/office/drawing/2014/main" id="{F1416FA5-60EE-4E88-BF08-02C91A452D67}"/>
+                <a16:creationId xmlns:a16="http://schemas.microsoft.com/office/drawing/2014/main" xmlns="" id="{F1416FA5-60EE-4E88-BF08-02C91A452D67}"/>
               </a:ext>
             </a:extLst>
           </p:cNvPr>
@@ -6091,7 +6563,7 @@
           <p:cNvPr id="4" name="Footer Placeholder 3">
             <a:extLst>
               <a:ext uri="{FF2B5EF4-FFF2-40B4-BE49-F238E27FC236}">
-                <a16:creationId xmlns:a16="http://schemas.microsoft.com/office/drawing/2014/main" id="{C38F2B1D-5AE8-4375-BC2B-5E2210E6B93D}"/>
+                <a16:creationId xmlns:a16="http://schemas.microsoft.com/office/drawing/2014/main" xmlns="" id="{C38F2B1D-5AE8-4375-BC2B-5E2210E6B93D}"/>
               </a:ext>
             </a:extLst>
           </p:cNvPr>
@@ -6115,6 +6587,164 @@
     <p:extLst>
       <p:ext uri="{BB962C8B-B14F-4D97-AF65-F5344CB8AC3E}">
         <p14:creationId xmlns:p14="http://schemas.microsoft.com/office/powerpoint/2010/main" val="2525585855"/>
+      </p:ext>
+    </p:extLst>
+  </p:cSld>
+  <p:clrMapOvr>
+    <a:masterClrMapping/>
+  </p:clrMapOvr>
+  <mc:AlternateContent xmlns:mc="http://schemas.openxmlformats.org/markup-compatibility/2006" xmlns:p14="http://schemas.microsoft.com/office/powerpoint/2010/main">
+    <mc:Choice Requires="p14">
+      <p:transition spd="med" p14:dur="700">
+        <p:fade/>
+      </p:transition>
+    </mc:Choice>
+    <mc:Fallback xmlns="">
+      <p:transition spd="med">
+        <p:fade/>
+      </p:transition>
+    </mc:Fallback>
+  </mc:AlternateContent>
+</p:sld>
+</file>
+
+<file path=ppt/slides/slide20.xml><?xml version="1.0" encoding="utf-8"?>
+<p:sld xmlns:a="http://schemas.openxmlformats.org/drawingml/2006/main" xmlns:r="http://schemas.openxmlformats.org/officeDocument/2006/relationships" xmlns:p="http://schemas.openxmlformats.org/presentationml/2006/main">
+  <p:cSld>
+    <p:spTree>
+      <p:nvGrpSpPr>
+        <p:cNvPr id="1" name=""/>
+        <p:cNvGrpSpPr/>
+        <p:nvPr/>
+      </p:nvGrpSpPr>
+      <p:grpSpPr>
+        <a:xfrm>
+          <a:off x="0" y="0"/>
+          <a:ext cx="0" cy="0"/>
+          <a:chOff x="0" y="0"/>
+          <a:chExt cx="0" cy="0"/>
+        </a:xfrm>
+      </p:grpSpPr>
+      <p:sp>
+        <p:nvSpPr>
+          <p:cNvPr id="2" name="Title 1">
+            <a:extLst>
+              <a:ext uri="{FF2B5EF4-FFF2-40B4-BE49-F238E27FC236}">
+                <a16:creationId xmlns:a16="http://schemas.microsoft.com/office/drawing/2014/main" xmlns="" id="{E8A3BFC9-1719-40C0-A257-2BFA8C844E46}"/>
+              </a:ext>
+            </a:extLst>
+          </p:cNvPr>
+          <p:cNvSpPr>
+            <a:spLocks noGrp="1"/>
+          </p:cNvSpPr>
+          <p:nvPr>
+            <p:ph type="title"/>
+          </p:nvPr>
+        </p:nvSpPr>
+        <p:spPr/>
+        <p:txBody>
+          <a:bodyPr/>
+          <a:lstStyle/>
+          <a:p>
+            <a:r>
+              <a:rPr lang="en-US" dirty="0" smtClean="0"/>
+              <a:t>Ohm’s Law Formula</a:t>
+            </a:r>
+            <a:endParaRPr lang="en-US" dirty="0"/>
+          </a:p>
+        </p:txBody>
+      </p:sp>
+      <p:sp>
+        <p:nvSpPr>
+          <p:cNvPr id="3" name="Content Placeholder 2">
+            <a:extLst>
+              <a:ext uri="{FF2B5EF4-FFF2-40B4-BE49-F238E27FC236}">
+                <a16:creationId xmlns:a16="http://schemas.microsoft.com/office/drawing/2014/main" xmlns="" id="{17110B9E-FF1E-47BC-B1A7-D9D083B55DC0}"/>
+              </a:ext>
+            </a:extLst>
+          </p:cNvPr>
+          <p:cNvSpPr>
+            <a:spLocks noGrp="1"/>
+          </p:cNvSpPr>
+          <p:nvPr>
+            <p:ph idx="1"/>
+          </p:nvPr>
+        </p:nvSpPr>
+        <p:spPr/>
+        <p:txBody>
+          <a:bodyPr/>
+          <a:lstStyle/>
+          <a:p>
+            <a:pPr marL="0" indent="0" algn="ctr">
+              <a:buNone/>
+            </a:pPr>
+            <a:r>
+              <a:rPr lang="en-US" sz="13800" b="1" dirty="0"/>
+              <a:t>V</a:t>
+            </a:r>
+            <a:r>
+              <a:rPr lang="en-US" sz="13800" b="1" dirty="0" smtClean="0"/>
+              <a:t> </a:t>
+            </a:r>
+            <a:r>
+              <a:rPr lang="en-US" sz="13800" b="1" dirty="0"/>
+              <a:t>= </a:t>
+            </a:r>
+            <a:r>
+              <a:rPr lang="en-US" sz="13800" b="1" dirty="0" smtClean="0"/>
+              <a:t>I </a:t>
+            </a:r>
+            <a:r>
+              <a:rPr lang="en-US" sz="13800" b="1" dirty="0"/>
+              <a:t>x </a:t>
+            </a:r>
+            <a:r>
+              <a:rPr lang="en-US" sz="13800" b="1" dirty="0" smtClean="0"/>
+              <a:t>R</a:t>
+            </a:r>
+            <a:endParaRPr lang="en-US" sz="13800" b="1" dirty="0"/>
+          </a:p>
+          <a:p>
+            <a:pPr marL="0" indent="0">
+              <a:buNone/>
+            </a:pPr>
+            <a:endParaRPr lang="en-US" b="1" dirty="0"/>
+          </a:p>
+        </p:txBody>
+      </p:sp>
+      <p:sp>
+        <p:nvSpPr>
+          <p:cNvPr id="4" name="Footer Placeholder 3">
+            <a:extLst>
+              <a:ext uri="{FF2B5EF4-FFF2-40B4-BE49-F238E27FC236}">
+                <a16:creationId xmlns:a16="http://schemas.microsoft.com/office/drawing/2014/main" xmlns="" id="{33008270-D0C2-4BEE-9CDB-02091B79AAF8}"/>
+              </a:ext>
+            </a:extLst>
+          </p:cNvPr>
+          <p:cNvSpPr>
+            <a:spLocks noGrp="1"/>
+          </p:cNvSpPr>
+          <p:nvPr>
+            <p:ph type="ftr" sz="quarter" idx="11"/>
+          </p:nvPr>
+        </p:nvSpPr>
+        <p:spPr/>
+        <p:txBody>
+          <a:bodyPr/>
+          <a:lstStyle/>
+          <a:p>
+            <a:r>
+              <a:rPr lang="en-US"/>
+              <a:t>Add a footer</a:t>
+            </a:r>
+            <a:endParaRPr lang="en-US" dirty="0"/>
+          </a:p>
+        </p:txBody>
+      </p:sp>
+    </p:spTree>
+    <p:extLst>
+      <p:ext uri="{BB962C8B-B14F-4D97-AF65-F5344CB8AC3E}">
+        <p14:creationId xmlns:p14="http://schemas.microsoft.com/office/powerpoint/2010/main" val="3274701596"/>
       </p:ext>
     </p:extLst>
   </p:cSld>
@@ -6210,7 +6840,7 @@
           <p:cNvPr id="4" name="Footer Placeholder 3">
             <a:extLst>
               <a:ext uri="{FF2B5EF4-FFF2-40B4-BE49-F238E27FC236}">
-                <a16:creationId xmlns:a16="http://schemas.microsoft.com/office/drawing/2014/main" id="{EADFB87E-2A3F-4815-8F5E-3CF3521EBF24}"/>
+                <a16:creationId xmlns:a16="http://schemas.microsoft.com/office/drawing/2014/main" xmlns="" id="{EADFB87E-2A3F-4815-8F5E-3CF3521EBF24}"/>
               </a:ext>
             </a:extLst>
           </p:cNvPr>
@@ -6366,7 +6996,7 @@
           <p:cNvPr id="4" name="Footer Placeholder 3">
             <a:extLst>
               <a:ext uri="{FF2B5EF4-FFF2-40B4-BE49-F238E27FC236}">
-                <a16:creationId xmlns:a16="http://schemas.microsoft.com/office/drawing/2014/main" id="{EADFB87E-2A3F-4815-8F5E-3CF3521EBF24}"/>
+                <a16:creationId xmlns:a16="http://schemas.microsoft.com/office/drawing/2014/main" xmlns="" id="{EADFB87E-2A3F-4815-8F5E-3CF3521EBF24}"/>
               </a:ext>
             </a:extLst>
           </p:cNvPr>
@@ -6436,7 +7066,7 @@
           <p:cNvPr id="2" name="Title 1">
             <a:extLst>
               <a:ext uri="{FF2B5EF4-FFF2-40B4-BE49-F238E27FC236}">
-                <a16:creationId xmlns:a16="http://schemas.microsoft.com/office/drawing/2014/main" id="{BBFF0D00-89FD-4E98-BEB1-3C14257420EC}"/>
+                <a16:creationId xmlns:a16="http://schemas.microsoft.com/office/drawing/2014/main" xmlns="" id="{BBFF0D00-89FD-4E98-BEB1-3C14257420EC}"/>
               </a:ext>
             </a:extLst>
           </p:cNvPr>
@@ -6464,7 +7094,7 @@
           <p:cNvPr id="3" name="Content Placeholder 2">
             <a:extLst>
               <a:ext uri="{FF2B5EF4-FFF2-40B4-BE49-F238E27FC236}">
-                <a16:creationId xmlns:a16="http://schemas.microsoft.com/office/drawing/2014/main" id="{A7BA6B08-D3F4-43CD-81E4-5A5504F85073}"/>
+                <a16:creationId xmlns:a16="http://schemas.microsoft.com/office/drawing/2014/main" xmlns="" id="{A7BA6B08-D3F4-43CD-81E4-5A5504F85073}"/>
               </a:ext>
             </a:extLst>
           </p:cNvPr>
@@ -6582,7 +7212,7 @@
           <p:cNvPr id="4" name="Footer Placeholder 3">
             <a:extLst>
               <a:ext uri="{FF2B5EF4-FFF2-40B4-BE49-F238E27FC236}">
-                <a16:creationId xmlns:a16="http://schemas.microsoft.com/office/drawing/2014/main" id="{7C35F161-54A9-47C9-BB10-85BDF717D57D}"/>
+                <a16:creationId xmlns:a16="http://schemas.microsoft.com/office/drawing/2014/main" xmlns="" id="{7C35F161-54A9-47C9-BB10-85BDF717D57D}"/>
               </a:ext>
             </a:extLst>
           </p:cNvPr>
@@ -6653,7 +7283,7 @@
           <p:cNvPr id="2" name="Title 1">
             <a:extLst>
               <a:ext uri="{FF2B5EF4-FFF2-40B4-BE49-F238E27FC236}">
-                <a16:creationId xmlns:a16="http://schemas.microsoft.com/office/drawing/2014/main" id="{E8A3BFC9-1719-40C0-A257-2BFA8C844E46}"/>
+                <a16:creationId xmlns:a16="http://schemas.microsoft.com/office/drawing/2014/main" xmlns="" id="{E8A3BFC9-1719-40C0-A257-2BFA8C844E46}"/>
               </a:ext>
             </a:extLst>
           </p:cNvPr>
@@ -6681,7 +7311,7 @@
           <p:cNvPr id="3" name="Content Placeholder 2">
             <a:extLst>
               <a:ext uri="{FF2B5EF4-FFF2-40B4-BE49-F238E27FC236}">
-                <a16:creationId xmlns:a16="http://schemas.microsoft.com/office/drawing/2014/main" id="{17110B9E-FF1E-47BC-B1A7-D9D083B55DC0}"/>
+                <a16:creationId xmlns:a16="http://schemas.microsoft.com/office/drawing/2014/main" xmlns="" id="{17110B9E-FF1E-47BC-B1A7-D9D083B55DC0}"/>
               </a:ext>
             </a:extLst>
           </p:cNvPr>
@@ -6728,7 +7358,7 @@
           <p:cNvPr id="4" name="Footer Placeholder 3">
             <a:extLst>
               <a:ext uri="{FF2B5EF4-FFF2-40B4-BE49-F238E27FC236}">
-                <a16:creationId xmlns:a16="http://schemas.microsoft.com/office/drawing/2014/main" id="{33008270-D0C2-4BEE-9CDB-02091B79AAF8}"/>
+                <a16:creationId xmlns:a16="http://schemas.microsoft.com/office/drawing/2014/main" xmlns="" id="{33008270-D0C2-4BEE-9CDB-02091B79AAF8}"/>
               </a:ext>
             </a:extLst>
           </p:cNvPr>
@@ -6799,7 +7429,7 @@
           <p:cNvPr id="2" name="Title 1">
             <a:extLst>
               <a:ext uri="{FF2B5EF4-FFF2-40B4-BE49-F238E27FC236}">
-                <a16:creationId xmlns:a16="http://schemas.microsoft.com/office/drawing/2014/main" id="{E8A3BFC9-1719-40C0-A257-2BFA8C844E46}"/>
+                <a16:creationId xmlns:a16="http://schemas.microsoft.com/office/drawing/2014/main" xmlns="" id="{E8A3BFC9-1719-40C0-A257-2BFA8C844E46}"/>
               </a:ext>
             </a:extLst>
           </p:cNvPr>
@@ -6827,7 +7457,7 @@
           <p:cNvPr id="3" name="Content Placeholder 2">
             <a:extLst>
               <a:ext uri="{FF2B5EF4-FFF2-40B4-BE49-F238E27FC236}">
-                <a16:creationId xmlns:a16="http://schemas.microsoft.com/office/drawing/2014/main" id="{17110B9E-FF1E-47BC-B1A7-D9D083B55DC0}"/>
+                <a16:creationId xmlns:a16="http://schemas.microsoft.com/office/drawing/2014/main" xmlns="" id="{17110B9E-FF1E-47BC-B1A7-D9D083B55DC0}"/>
               </a:ext>
             </a:extLst>
           </p:cNvPr>
@@ -6941,7 +7571,7 @@
           <p:cNvPr id="4" name="Footer Placeholder 3">
             <a:extLst>
               <a:ext uri="{FF2B5EF4-FFF2-40B4-BE49-F238E27FC236}">
-                <a16:creationId xmlns:a16="http://schemas.microsoft.com/office/drawing/2014/main" id="{33008270-D0C2-4BEE-9CDB-02091B79AAF8}"/>
+                <a16:creationId xmlns:a16="http://schemas.microsoft.com/office/drawing/2014/main" xmlns="" id="{33008270-D0C2-4BEE-9CDB-02091B79AAF8}"/>
               </a:ext>
             </a:extLst>
           </p:cNvPr>
@@ -7012,7 +7642,7 @@
           <p:cNvPr id="2" name="Title 1">
             <a:extLst>
               <a:ext uri="{FF2B5EF4-FFF2-40B4-BE49-F238E27FC236}">
-                <a16:creationId xmlns:a16="http://schemas.microsoft.com/office/drawing/2014/main" id="{E8A3BFC9-1719-40C0-A257-2BFA8C844E46}"/>
+                <a16:creationId xmlns:a16="http://schemas.microsoft.com/office/drawing/2014/main" xmlns="" id="{E8A3BFC9-1719-40C0-A257-2BFA8C844E46}"/>
               </a:ext>
             </a:extLst>
           </p:cNvPr>
@@ -7040,7 +7670,7 @@
           <p:cNvPr id="3" name="Content Placeholder 2">
             <a:extLst>
               <a:ext uri="{FF2B5EF4-FFF2-40B4-BE49-F238E27FC236}">
-                <a16:creationId xmlns:a16="http://schemas.microsoft.com/office/drawing/2014/main" id="{17110B9E-FF1E-47BC-B1A7-D9D083B55DC0}"/>
+                <a16:creationId xmlns:a16="http://schemas.microsoft.com/office/drawing/2014/main" xmlns="" id="{17110B9E-FF1E-47BC-B1A7-D9D083B55DC0}"/>
               </a:ext>
             </a:extLst>
           </p:cNvPr>
@@ -7180,7 +7810,7 @@
           <p:cNvPr id="4" name="Footer Placeholder 3">
             <a:extLst>
               <a:ext uri="{FF2B5EF4-FFF2-40B4-BE49-F238E27FC236}">
-                <a16:creationId xmlns:a16="http://schemas.microsoft.com/office/drawing/2014/main" id="{33008270-D0C2-4BEE-9CDB-02091B79AAF8}"/>
+                <a16:creationId xmlns:a16="http://schemas.microsoft.com/office/drawing/2014/main" xmlns="" id="{33008270-D0C2-4BEE-9CDB-02091B79AAF8}"/>
               </a:ext>
             </a:extLst>
           </p:cNvPr>
@@ -7251,7 +7881,7 @@
           <p:cNvPr id="2" name="Title 1">
             <a:extLst>
               <a:ext uri="{FF2B5EF4-FFF2-40B4-BE49-F238E27FC236}">
-                <a16:creationId xmlns:a16="http://schemas.microsoft.com/office/drawing/2014/main" id="{06452DC8-C88F-4500-AFF1-57ABD0F409A2}"/>
+                <a16:creationId xmlns:a16="http://schemas.microsoft.com/office/drawing/2014/main" xmlns="" id="{06452DC8-C88F-4500-AFF1-57ABD0F409A2}"/>
               </a:ext>
             </a:extLst>
           </p:cNvPr>
@@ -7279,7 +7909,7 @@
           <p:cNvPr id="3" name="Content Placeholder 2">
             <a:extLst>
               <a:ext uri="{FF2B5EF4-FFF2-40B4-BE49-F238E27FC236}">
-                <a16:creationId xmlns:a16="http://schemas.microsoft.com/office/drawing/2014/main" id="{EDC27465-3270-493B-85BE-2B770606A572}"/>
+                <a16:creationId xmlns:a16="http://schemas.microsoft.com/office/drawing/2014/main" xmlns="" id="{EDC27465-3270-493B-85BE-2B770606A572}"/>
               </a:ext>
             </a:extLst>
           </p:cNvPr>
@@ -7321,7 +7951,7 @@
           <p:cNvPr id="4" name="Footer Placeholder 3">
             <a:extLst>
               <a:ext uri="{FF2B5EF4-FFF2-40B4-BE49-F238E27FC236}">
-                <a16:creationId xmlns:a16="http://schemas.microsoft.com/office/drawing/2014/main" id="{A6E0C9E9-5759-45CA-AC89-D31D254DCFC7}"/>
+                <a16:creationId xmlns:a16="http://schemas.microsoft.com/office/drawing/2014/main" xmlns="" id="{A6E0C9E9-5759-45CA-AC89-D31D254DCFC7}"/>
               </a:ext>
             </a:extLst>
           </p:cNvPr>

--- a/High School/Modern Electricity and Electronics/Unit 3 - Ohm's Law/Section 2 - Power and Energy/Assets/Unit 3 - Section 2 - Electric and Power.pptx
+++ b/High School/Modern Electricity and Electronics/Unit 3 - Ohm's Law/Section 2 - Power and Energy/Assets/Unit 3 - Section 2 - Electric and Power.pptx
@@ -5,10 +5,10 @@
     <p:sldMasterId id="2147483705" r:id="rId1"/>
   </p:sldMasterIdLst>
   <p:notesMasterIdLst>
-    <p:notesMasterId r:id="rId22"/>
+    <p:notesMasterId r:id="rId23"/>
   </p:notesMasterIdLst>
   <p:handoutMasterIdLst>
-    <p:handoutMasterId r:id="rId23"/>
+    <p:handoutMasterId r:id="rId24"/>
   </p:handoutMasterIdLst>
   <p:sldIdLst>
     <p:sldId id="268" r:id="rId2"/>
@@ -28,9 +28,10 @@
     <p:sldId id="285" r:id="rId16"/>
     <p:sldId id="286" r:id="rId17"/>
     <p:sldId id="290" r:id="rId18"/>
-    <p:sldId id="291" r:id="rId19"/>
-    <p:sldId id="292" r:id="rId20"/>
-    <p:sldId id="293" r:id="rId21"/>
+    <p:sldId id="294" r:id="rId19"/>
+    <p:sldId id="291" r:id="rId20"/>
+    <p:sldId id="292" r:id="rId21"/>
+    <p:sldId id="293" r:id="rId22"/>
   </p:sldIdLst>
   <p:sldSz cx="12192000" cy="6858000"/>
   <p:notesSz cx="6858000" cy="9144000"/>
@@ -3863,7 +3864,7 @@
           <p:cNvPr id="10" name="Rectangle 9">
             <a:extLst>
               <a:ext uri="{FF2B5EF4-FFF2-40B4-BE49-F238E27FC236}">
-                <a16:creationId xmlns:a16="http://schemas.microsoft.com/office/drawing/2014/main" xmlns="" id="{3DD56F55-9FC0-474B-ADC4-A77A47F498E4}"/>
+                <a16:creationId xmlns="" xmlns:a16="http://schemas.microsoft.com/office/drawing/2014/main" id="{3DD56F55-9FC0-474B-ADC4-A77A47F498E4}"/>
               </a:ext>
             </a:extLst>
           </p:cNvPr>
@@ -4780,7 +4781,7 @@
           <p:cNvPr id="4" name="Footer Placeholder 3">
             <a:extLst>
               <a:ext uri="{FF2B5EF4-FFF2-40B4-BE49-F238E27FC236}">
-                <a16:creationId xmlns:a16="http://schemas.microsoft.com/office/drawing/2014/main" xmlns="" id="{1BD89EEB-0D82-48BB-B45A-39C4807CF951}"/>
+                <a16:creationId xmlns="" xmlns:a16="http://schemas.microsoft.com/office/drawing/2014/main" id="{1BD89EEB-0D82-48BB-B45A-39C4807CF951}"/>
               </a:ext>
             </a:extLst>
           </p:cNvPr>
@@ -4850,7 +4851,7 @@
           <p:cNvPr id="2" name="Title 1">
             <a:extLst>
               <a:ext uri="{FF2B5EF4-FFF2-40B4-BE49-F238E27FC236}">
-                <a16:creationId xmlns:a16="http://schemas.microsoft.com/office/drawing/2014/main" xmlns="" id="{45053E2E-CDA8-45CF-ABC5-16C306BEB14C}"/>
+                <a16:creationId xmlns="" xmlns:a16="http://schemas.microsoft.com/office/drawing/2014/main" id="{45053E2E-CDA8-45CF-ABC5-16C306BEB14C}"/>
               </a:ext>
             </a:extLst>
           </p:cNvPr>
@@ -4878,7 +4879,7 @@
           <p:cNvPr id="3" name="Content Placeholder 2">
             <a:extLst>
               <a:ext uri="{FF2B5EF4-FFF2-40B4-BE49-F238E27FC236}">
-                <a16:creationId xmlns:a16="http://schemas.microsoft.com/office/drawing/2014/main" xmlns="" id="{F3A614AF-C144-4321-8CA5-D781C5470E56}"/>
+                <a16:creationId xmlns="" xmlns:a16="http://schemas.microsoft.com/office/drawing/2014/main" id="{F3A614AF-C144-4321-8CA5-D781C5470E56}"/>
               </a:ext>
             </a:extLst>
           </p:cNvPr>
@@ -4995,7 +4996,7 @@
           <p:cNvPr id="4" name="Footer Placeholder 3">
             <a:extLst>
               <a:ext uri="{FF2B5EF4-FFF2-40B4-BE49-F238E27FC236}">
-                <a16:creationId xmlns:a16="http://schemas.microsoft.com/office/drawing/2014/main" xmlns="" id="{B1035835-DE58-4E94-85B9-5446A9C027A4}"/>
+                <a16:creationId xmlns="" xmlns:a16="http://schemas.microsoft.com/office/drawing/2014/main" id="{B1035835-DE58-4E94-85B9-5446A9C027A4}"/>
               </a:ext>
             </a:extLst>
           </p:cNvPr>
@@ -5066,7 +5067,7 @@
           <p:cNvPr id="5" name="Title 4">
             <a:extLst>
               <a:ext uri="{FF2B5EF4-FFF2-40B4-BE49-F238E27FC236}">
-                <a16:creationId xmlns:a16="http://schemas.microsoft.com/office/drawing/2014/main" xmlns="" id="{CDC0DAF5-50E1-4BBE-95D4-84C50BB01BDF}"/>
+                <a16:creationId xmlns="" xmlns:a16="http://schemas.microsoft.com/office/drawing/2014/main" id="{CDC0DAF5-50E1-4BBE-95D4-84C50BB01BDF}"/>
               </a:ext>
             </a:extLst>
           </p:cNvPr>
@@ -5094,7 +5095,7 @@
           <p:cNvPr id="4" name="Footer Placeholder 3">
             <a:extLst>
               <a:ext uri="{FF2B5EF4-FFF2-40B4-BE49-F238E27FC236}">
-                <a16:creationId xmlns:a16="http://schemas.microsoft.com/office/drawing/2014/main" xmlns="" id="{4B9F48DB-12FB-4F7E-8836-3D16C42A6842}"/>
+                <a16:creationId xmlns="" xmlns:a16="http://schemas.microsoft.com/office/drawing/2014/main" id="{4B9F48DB-12FB-4F7E-8836-3D16C42A6842}"/>
               </a:ext>
             </a:extLst>
           </p:cNvPr>
@@ -5165,7 +5166,7 @@
           <p:cNvPr id="2" name="Title 1">
             <a:extLst>
               <a:ext uri="{FF2B5EF4-FFF2-40B4-BE49-F238E27FC236}">
-                <a16:creationId xmlns:a16="http://schemas.microsoft.com/office/drawing/2014/main" xmlns="" id="{7AAD9E9C-644B-40CF-8B60-7CD77F3EAC65}"/>
+                <a16:creationId xmlns="" xmlns:a16="http://schemas.microsoft.com/office/drawing/2014/main" id="{7AAD9E9C-644B-40CF-8B60-7CD77F3EAC65}"/>
               </a:ext>
             </a:extLst>
           </p:cNvPr>
@@ -5193,7 +5194,7 @@
           <p:cNvPr id="3" name="Text Placeholder 2">
             <a:extLst>
               <a:ext uri="{FF2B5EF4-FFF2-40B4-BE49-F238E27FC236}">
-                <a16:creationId xmlns:a16="http://schemas.microsoft.com/office/drawing/2014/main" xmlns="" id="{F1416FA5-60EE-4E88-BF08-02C91A452D67}"/>
+                <a16:creationId xmlns="" xmlns:a16="http://schemas.microsoft.com/office/drawing/2014/main" id="{F1416FA5-60EE-4E88-BF08-02C91A452D67}"/>
               </a:ext>
             </a:extLst>
           </p:cNvPr>
@@ -5218,7 +5219,7 @@
           <p:cNvPr id="4" name="Footer Placeholder 3">
             <a:extLst>
               <a:ext uri="{FF2B5EF4-FFF2-40B4-BE49-F238E27FC236}">
-                <a16:creationId xmlns:a16="http://schemas.microsoft.com/office/drawing/2014/main" xmlns="" id="{C38F2B1D-5AE8-4375-BC2B-5E2210E6B93D}"/>
+                <a16:creationId xmlns="" xmlns:a16="http://schemas.microsoft.com/office/drawing/2014/main" id="{C38F2B1D-5AE8-4375-BC2B-5E2210E6B93D}"/>
               </a:ext>
             </a:extLst>
           </p:cNvPr>
@@ -5285,7 +5286,7 @@
           <p:cNvPr id="5" name="Title 4">
             <a:extLst>
               <a:ext uri="{FF2B5EF4-FFF2-40B4-BE49-F238E27FC236}">
-                <a16:creationId xmlns:a16="http://schemas.microsoft.com/office/drawing/2014/main" xmlns="" id="{46285E71-5B74-4947-B192-667DF0B25BDD}"/>
+                <a16:creationId xmlns="" xmlns:a16="http://schemas.microsoft.com/office/drawing/2014/main" id="{46285E71-5B74-4947-B192-667DF0B25BDD}"/>
               </a:ext>
             </a:extLst>
           </p:cNvPr>
@@ -5313,7 +5314,7 @@
           <p:cNvPr id="6" name="Content Placeholder 5">
             <a:extLst>
               <a:ext uri="{FF2B5EF4-FFF2-40B4-BE49-F238E27FC236}">
-                <a16:creationId xmlns:a16="http://schemas.microsoft.com/office/drawing/2014/main" xmlns="" id="{E93DA7A0-E9F9-49DF-85D8-84EF29A4AB02}"/>
+                <a16:creationId xmlns="" xmlns:a16="http://schemas.microsoft.com/office/drawing/2014/main" id="{E93DA7A0-E9F9-49DF-85D8-84EF29A4AB02}"/>
               </a:ext>
             </a:extLst>
           </p:cNvPr>
@@ -5399,7 +5400,7 @@
           <p:cNvPr id="4" name="Footer Placeholder 3">
             <a:extLst>
               <a:ext uri="{FF2B5EF4-FFF2-40B4-BE49-F238E27FC236}">
-                <a16:creationId xmlns:a16="http://schemas.microsoft.com/office/drawing/2014/main" xmlns="" id="{3A83E97C-084E-42C9-A293-26482ADBC43B}"/>
+                <a16:creationId xmlns="" xmlns:a16="http://schemas.microsoft.com/office/drawing/2014/main" id="{3A83E97C-084E-42C9-A293-26482ADBC43B}"/>
               </a:ext>
             </a:extLst>
           </p:cNvPr>
@@ -5466,7 +5467,7 @@
           <p:cNvPr id="2" name="Title 1">
             <a:extLst>
               <a:ext uri="{FF2B5EF4-FFF2-40B4-BE49-F238E27FC236}">
-                <a16:creationId xmlns:a16="http://schemas.microsoft.com/office/drawing/2014/main" xmlns="" id="{BBFF0D00-89FD-4E98-BEB1-3C14257420EC}"/>
+                <a16:creationId xmlns="" xmlns:a16="http://schemas.microsoft.com/office/drawing/2014/main" id="{BBFF0D00-89FD-4E98-BEB1-3C14257420EC}"/>
               </a:ext>
             </a:extLst>
           </p:cNvPr>
@@ -5494,7 +5495,7 @@
           <p:cNvPr id="3" name="Content Placeholder 2">
             <a:extLst>
               <a:ext uri="{FF2B5EF4-FFF2-40B4-BE49-F238E27FC236}">
-                <a16:creationId xmlns:a16="http://schemas.microsoft.com/office/drawing/2014/main" xmlns="" id="{A7BA6B08-D3F4-43CD-81E4-5A5504F85073}"/>
+                <a16:creationId xmlns="" xmlns:a16="http://schemas.microsoft.com/office/drawing/2014/main" id="{A7BA6B08-D3F4-43CD-81E4-5A5504F85073}"/>
               </a:ext>
             </a:extLst>
           </p:cNvPr>
@@ -5612,7 +5613,7 @@
           <p:cNvPr id="4" name="Footer Placeholder 3">
             <a:extLst>
               <a:ext uri="{FF2B5EF4-FFF2-40B4-BE49-F238E27FC236}">
-                <a16:creationId xmlns:a16="http://schemas.microsoft.com/office/drawing/2014/main" xmlns="" id="{7C35F161-54A9-47C9-BB10-85BDF717D57D}"/>
+                <a16:creationId xmlns="" xmlns:a16="http://schemas.microsoft.com/office/drawing/2014/main" id="{7C35F161-54A9-47C9-BB10-85BDF717D57D}"/>
               </a:ext>
             </a:extLst>
           </p:cNvPr>
@@ -5683,7 +5684,7 @@
           <p:cNvPr id="2" name="Title 1">
             <a:extLst>
               <a:ext uri="{FF2B5EF4-FFF2-40B4-BE49-F238E27FC236}">
-                <a16:creationId xmlns:a16="http://schemas.microsoft.com/office/drawing/2014/main" xmlns="" id="{E8A3BFC9-1719-40C0-A257-2BFA8C844E46}"/>
+                <a16:creationId xmlns="" xmlns:a16="http://schemas.microsoft.com/office/drawing/2014/main" id="{E8A3BFC9-1719-40C0-A257-2BFA8C844E46}"/>
               </a:ext>
             </a:extLst>
           </p:cNvPr>
@@ -5711,7 +5712,7 @@
           <p:cNvPr id="3" name="Content Placeholder 2">
             <a:extLst>
               <a:ext uri="{FF2B5EF4-FFF2-40B4-BE49-F238E27FC236}">
-                <a16:creationId xmlns:a16="http://schemas.microsoft.com/office/drawing/2014/main" xmlns="" id="{17110B9E-FF1E-47BC-B1A7-D9D083B55DC0}"/>
+                <a16:creationId xmlns="" xmlns:a16="http://schemas.microsoft.com/office/drawing/2014/main" id="{17110B9E-FF1E-47BC-B1A7-D9D083B55DC0}"/>
               </a:ext>
             </a:extLst>
           </p:cNvPr>
@@ -5758,7 +5759,7 @@
           <p:cNvPr id="4" name="Footer Placeholder 3">
             <a:extLst>
               <a:ext uri="{FF2B5EF4-FFF2-40B4-BE49-F238E27FC236}">
-                <a16:creationId xmlns:a16="http://schemas.microsoft.com/office/drawing/2014/main" xmlns="" id="{33008270-D0C2-4BEE-9CDB-02091B79AAF8}"/>
+                <a16:creationId xmlns="" xmlns:a16="http://schemas.microsoft.com/office/drawing/2014/main" id="{33008270-D0C2-4BEE-9CDB-02091B79AAF8}"/>
               </a:ext>
             </a:extLst>
           </p:cNvPr>
@@ -5829,7 +5830,7 @@
           <p:cNvPr id="2" name="Title 1">
             <a:extLst>
               <a:ext uri="{FF2B5EF4-FFF2-40B4-BE49-F238E27FC236}">
-                <a16:creationId xmlns:a16="http://schemas.microsoft.com/office/drawing/2014/main" xmlns="" id="{E8A3BFC9-1719-40C0-A257-2BFA8C844E46}"/>
+                <a16:creationId xmlns="" xmlns:a16="http://schemas.microsoft.com/office/drawing/2014/main" id="{E8A3BFC9-1719-40C0-A257-2BFA8C844E46}"/>
               </a:ext>
             </a:extLst>
           </p:cNvPr>
@@ -5857,7 +5858,7 @@
           <p:cNvPr id="3" name="Content Placeholder 2">
             <a:extLst>
               <a:ext uri="{FF2B5EF4-FFF2-40B4-BE49-F238E27FC236}">
-                <a16:creationId xmlns:a16="http://schemas.microsoft.com/office/drawing/2014/main" xmlns="" id="{17110B9E-FF1E-47BC-B1A7-D9D083B55DC0}"/>
+                <a16:creationId xmlns="" xmlns:a16="http://schemas.microsoft.com/office/drawing/2014/main" id="{17110B9E-FF1E-47BC-B1A7-D9D083B55DC0}"/>
               </a:ext>
             </a:extLst>
           </p:cNvPr>
@@ -5971,7 +5972,7 @@
           <p:cNvPr id="4" name="Footer Placeholder 3">
             <a:extLst>
               <a:ext uri="{FF2B5EF4-FFF2-40B4-BE49-F238E27FC236}">
-                <a16:creationId xmlns:a16="http://schemas.microsoft.com/office/drawing/2014/main" xmlns="" id="{33008270-D0C2-4BEE-9CDB-02091B79AAF8}"/>
+                <a16:creationId xmlns="" xmlns:a16="http://schemas.microsoft.com/office/drawing/2014/main" id="{33008270-D0C2-4BEE-9CDB-02091B79AAF8}"/>
               </a:ext>
             </a:extLst>
           </p:cNvPr>
@@ -6042,7 +6043,7 @@
           <p:cNvPr id="5" name="Title 4">
             <a:extLst>
               <a:ext uri="{FF2B5EF4-FFF2-40B4-BE49-F238E27FC236}">
-                <a16:creationId xmlns:a16="http://schemas.microsoft.com/office/drawing/2014/main" xmlns="" id="{CDC0DAF5-50E1-4BBE-95D4-84C50BB01BDF}"/>
+                <a16:creationId xmlns="" xmlns:a16="http://schemas.microsoft.com/office/drawing/2014/main" id="{CDC0DAF5-50E1-4BBE-95D4-84C50BB01BDF}"/>
               </a:ext>
             </a:extLst>
           </p:cNvPr>
@@ -6075,7 +6076,7 @@
           <p:cNvPr id="4" name="Footer Placeholder 3">
             <a:extLst>
               <a:ext uri="{FF2B5EF4-FFF2-40B4-BE49-F238E27FC236}">
-                <a16:creationId xmlns:a16="http://schemas.microsoft.com/office/drawing/2014/main" xmlns="" id="{4B9F48DB-12FB-4F7E-8836-3D16C42A6842}"/>
+                <a16:creationId xmlns="" xmlns:a16="http://schemas.microsoft.com/office/drawing/2014/main" id="{4B9F48DB-12FB-4F7E-8836-3D16C42A6842}"/>
               </a:ext>
             </a:extLst>
           </p:cNvPr>
@@ -6121,6 +6122,13 @@
       </p:transition>
     </mc:Fallback>
   </mc:AlternateContent>
+  <p:timing>
+    <p:tnLst>
+      <p:par>
+        <p:cTn id="1" dur="indefinite" restart="never" nodeType="tmRoot"/>
+      </p:par>
+    </p:tnLst>
+  </p:timing>
 </p:sld>
 </file>
 
@@ -6143,10 +6151,137 @@
       </p:grpSpPr>
       <p:sp>
         <p:nvSpPr>
+          <p:cNvPr id="2" name="Title 1">
+            <a:extLst>
+              <a:ext uri="{FF2B5EF4-FFF2-40B4-BE49-F238E27FC236}">
+                <a16:creationId xmlns="" xmlns:a16="http://schemas.microsoft.com/office/drawing/2014/main" id="{7AAD9E9C-644B-40CF-8B60-7CD77F3EAC65}"/>
+              </a:ext>
+            </a:extLst>
+          </p:cNvPr>
+          <p:cNvSpPr>
+            <a:spLocks noGrp="1"/>
+          </p:cNvSpPr>
+          <p:nvPr>
+            <p:ph type="title"/>
+          </p:nvPr>
+        </p:nvSpPr>
+        <p:spPr/>
+        <p:txBody>
+          <a:bodyPr/>
+          <a:lstStyle/>
+          <a:p>
+            <a:r>
+              <a:rPr lang="en-US" dirty="0"/>
+              <a:t>Electric and Power</a:t>
+            </a:r>
+          </a:p>
+        </p:txBody>
+      </p:sp>
+      <p:sp>
+        <p:nvSpPr>
+          <p:cNvPr id="3" name="Text Placeholder 2">
+            <a:extLst>
+              <a:ext uri="{FF2B5EF4-FFF2-40B4-BE49-F238E27FC236}">
+                <a16:creationId xmlns="" xmlns:a16="http://schemas.microsoft.com/office/drawing/2014/main" id="{F1416FA5-60EE-4E88-BF08-02C91A452D67}"/>
+              </a:ext>
+            </a:extLst>
+          </p:cNvPr>
+          <p:cNvSpPr>
+            <a:spLocks noGrp="1"/>
+          </p:cNvSpPr>
+          <p:nvPr>
+            <p:ph type="body" idx="1"/>
+          </p:nvPr>
+        </p:nvSpPr>
+        <p:spPr/>
+        <p:txBody>
+          <a:bodyPr/>
+          <a:lstStyle/>
+          <a:p>
+            <a:endParaRPr lang="en-US" dirty="0"/>
+          </a:p>
+        </p:txBody>
+      </p:sp>
+      <p:sp>
+        <p:nvSpPr>
+          <p:cNvPr id="4" name="Footer Placeholder 3">
+            <a:extLst>
+              <a:ext uri="{FF2B5EF4-FFF2-40B4-BE49-F238E27FC236}">
+                <a16:creationId xmlns="" xmlns:a16="http://schemas.microsoft.com/office/drawing/2014/main" id="{C38F2B1D-5AE8-4375-BC2B-5E2210E6B93D}"/>
+              </a:ext>
+            </a:extLst>
+          </p:cNvPr>
+          <p:cNvSpPr>
+            <a:spLocks noGrp="1"/>
+          </p:cNvSpPr>
+          <p:nvPr>
+            <p:ph type="ftr" sz="quarter" idx="11"/>
+          </p:nvPr>
+        </p:nvSpPr>
+        <p:spPr/>
+        <p:txBody>
+          <a:bodyPr/>
+          <a:lstStyle/>
+          <a:p>
+            <a:endParaRPr lang="en-US" dirty="0"/>
+          </a:p>
+        </p:txBody>
+      </p:sp>
+    </p:spTree>
+    <p:extLst>
+      <p:ext uri="{BB962C8B-B14F-4D97-AF65-F5344CB8AC3E}">
+        <p14:creationId xmlns:p14="http://schemas.microsoft.com/office/powerpoint/2010/main" val="653857191"/>
+      </p:ext>
+    </p:extLst>
+  </p:cSld>
+  <p:clrMapOvr>
+    <a:masterClrMapping/>
+  </p:clrMapOvr>
+  <mc:AlternateContent xmlns:mc="http://schemas.openxmlformats.org/markup-compatibility/2006" xmlns:p14="http://schemas.microsoft.com/office/powerpoint/2010/main">
+    <mc:Choice Requires="p14">
+      <p:transition spd="med" p14:dur="700">
+        <p:fade/>
+      </p:transition>
+    </mc:Choice>
+    <mc:Fallback xmlns="">
+      <p:transition spd="med">
+        <p:fade/>
+      </p:transition>
+    </mc:Fallback>
+  </mc:AlternateContent>
+  <p:timing>
+    <p:tnLst>
+      <p:par>
+        <p:cTn id="1" dur="indefinite" restart="never" nodeType="tmRoot"/>
+      </p:par>
+    </p:tnLst>
+  </p:timing>
+</p:sld>
+</file>
+
+<file path=ppt/slides/slide19.xml><?xml version="1.0" encoding="utf-8"?>
+<p:sld xmlns:a="http://schemas.openxmlformats.org/drawingml/2006/main" xmlns:r="http://schemas.openxmlformats.org/officeDocument/2006/relationships" xmlns:p="http://schemas.openxmlformats.org/presentationml/2006/main">
+  <p:cSld>
+    <p:spTree>
+      <p:nvGrpSpPr>
+        <p:cNvPr id="1" name=""/>
+        <p:cNvGrpSpPr/>
+        <p:nvPr/>
+      </p:nvGrpSpPr>
+      <p:grpSpPr>
+        <a:xfrm>
+          <a:off x="0" y="0"/>
+          <a:ext cx="0" cy="0"/>
+          <a:chOff x="0" y="0"/>
+          <a:chExt cx="0" cy="0"/>
+        </a:xfrm>
+      </p:grpSpPr>
+      <p:sp>
+        <p:nvSpPr>
           <p:cNvPr id="5" name="Title 4">
             <a:extLst>
               <a:ext uri="{FF2B5EF4-FFF2-40B4-BE49-F238E27FC236}">
-                <a16:creationId xmlns:a16="http://schemas.microsoft.com/office/drawing/2014/main" xmlns="" id="{46285E71-5B74-4947-B192-667DF0B25BDD}"/>
+                <a16:creationId xmlns="" xmlns:a16="http://schemas.microsoft.com/office/drawing/2014/main" id="{46285E71-5B74-4947-B192-667DF0B25BDD}"/>
               </a:ext>
             </a:extLst>
           </p:cNvPr>
@@ -6175,7 +6310,7 @@
           <p:cNvPr id="6" name="Content Placeholder 5">
             <a:extLst>
               <a:ext uri="{FF2B5EF4-FFF2-40B4-BE49-F238E27FC236}">
-                <a16:creationId xmlns:a16="http://schemas.microsoft.com/office/drawing/2014/main" xmlns="" id="{E93DA7A0-E9F9-49DF-85D8-84EF29A4AB02}"/>
+                <a16:creationId xmlns="" xmlns:a16="http://schemas.microsoft.com/office/drawing/2014/main" id="{E93DA7A0-E9F9-49DF-85D8-84EF29A4AB02}"/>
               </a:ext>
             </a:extLst>
           </p:cNvPr>
@@ -6233,7 +6368,6 @@
               <a:rPr lang="en-US" dirty="0" smtClean="0"/>
               <a:t>These soldering projects are to improve our skill from our previous Euro alarm</a:t>
             </a:r>
-            <a:endParaRPr lang="en-US" dirty="0" smtClean="0"/>
           </a:p>
           <a:p>
             <a:pPr lvl="1">
@@ -6298,7 +6432,7 @@
           <p:cNvPr id="4" name="Footer Placeholder 3">
             <a:extLst>
               <a:ext uri="{FF2B5EF4-FFF2-40B4-BE49-F238E27FC236}">
-                <a16:creationId xmlns:a16="http://schemas.microsoft.com/office/drawing/2014/main" xmlns="" id="{3A83E97C-084E-42C9-A293-26482ADBC43B}"/>
+                <a16:creationId xmlns="" xmlns:a16="http://schemas.microsoft.com/office/drawing/2014/main" id="{3A83E97C-084E-42C9-A293-26482ADBC43B}"/>
               </a:ext>
             </a:extLst>
           </p:cNvPr>
@@ -6340,151 +6474,13 @@
       </p:transition>
     </mc:Fallback>
   </mc:AlternateContent>
-</p:sld>
-</file>
-
-<file path=ppt/slides/slide19.xml><?xml version="1.0" encoding="utf-8"?>
-<p:sld xmlns:a="http://schemas.openxmlformats.org/drawingml/2006/main" xmlns:r="http://schemas.openxmlformats.org/officeDocument/2006/relationships" xmlns:p="http://schemas.openxmlformats.org/presentationml/2006/main">
-  <p:cSld>
-    <p:spTree>
-      <p:nvGrpSpPr>
-        <p:cNvPr id="1" name=""/>
-        <p:cNvGrpSpPr/>
-        <p:nvPr/>
-      </p:nvGrpSpPr>
-      <p:grpSpPr>
-        <a:xfrm>
-          <a:off x="0" y="0"/>
-          <a:ext cx="0" cy="0"/>
-          <a:chOff x="0" y="0"/>
-          <a:chExt cx="0" cy="0"/>
-        </a:xfrm>
-      </p:grpSpPr>
-      <p:sp>
-        <p:nvSpPr>
-          <p:cNvPr id="2" name="Title 1">
-            <a:extLst>
-              <a:ext uri="{FF2B5EF4-FFF2-40B4-BE49-F238E27FC236}">
-                <a16:creationId xmlns:a16="http://schemas.microsoft.com/office/drawing/2014/main" xmlns="" id="{E8A3BFC9-1719-40C0-A257-2BFA8C844E46}"/>
-              </a:ext>
-            </a:extLst>
-          </p:cNvPr>
-          <p:cNvSpPr>
-            <a:spLocks noGrp="1"/>
-          </p:cNvSpPr>
-          <p:nvPr>
-            <p:ph type="title"/>
-          </p:nvPr>
-        </p:nvSpPr>
-        <p:spPr/>
-        <p:txBody>
-          <a:bodyPr/>
-          <a:lstStyle/>
-          <a:p>
-            <a:r>
-              <a:rPr lang="en-US" dirty="0"/>
-              <a:t>Power </a:t>
-            </a:r>
-            <a:r>
-              <a:rPr lang="en-US" dirty="0" smtClean="0"/>
-              <a:t>Formula</a:t>
-            </a:r>
-            <a:endParaRPr lang="en-US" dirty="0"/>
-          </a:p>
-        </p:txBody>
-      </p:sp>
-      <p:sp>
-        <p:nvSpPr>
-          <p:cNvPr id="3" name="Content Placeholder 2">
-            <a:extLst>
-              <a:ext uri="{FF2B5EF4-FFF2-40B4-BE49-F238E27FC236}">
-                <a16:creationId xmlns:a16="http://schemas.microsoft.com/office/drawing/2014/main" xmlns="" id="{17110B9E-FF1E-47BC-B1A7-D9D083B55DC0}"/>
-              </a:ext>
-            </a:extLst>
-          </p:cNvPr>
-          <p:cNvSpPr>
-            <a:spLocks noGrp="1"/>
-          </p:cNvSpPr>
-          <p:nvPr>
-            <p:ph idx="1"/>
-          </p:nvPr>
-        </p:nvSpPr>
-        <p:spPr/>
-        <p:txBody>
-          <a:bodyPr/>
-          <a:lstStyle/>
-          <a:p>
-            <a:pPr marL="0" indent="0" algn="ctr">
-              <a:buNone/>
-            </a:pPr>
-            <a:r>
-              <a:rPr lang="en-US" sz="13800" b="1" dirty="0" smtClean="0"/>
-              <a:t>P </a:t>
-            </a:r>
-            <a:r>
-              <a:rPr lang="en-US" sz="13800" b="1" dirty="0"/>
-              <a:t>= V x I</a:t>
-            </a:r>
-          </a:p>
-          <a:p>
-            <a:pPr marL="0" indent="0">
-              <a:buNone/>
-            </a:pPr>
-            <a:endParaRPr lang="en-US" b="1" dirty="0"/>
-          </a:p>
-        </p:txBody>
-      </p:sp>
-      <p:sp>
-        <p:nvSpPr>
-          <p:cNvPr id="4" name="Footer Placeholder 3">
-            <a:extLst>
-              <a:ext uri="{FF2B5EF4-FFF2-40B4-BE49-F238E27FC236}">
-                <a16:creationId xmlns:a16="http://schemas.microsoft.com/office/drawing/2014/main" xmlns="" id="{33008270-D0C2-4BEE-9CDB-02091B79AAF8}"/>
-              </a:ext>
-            </a:extLst>
-          </p:cNvPr>
-          <p:cNvSpPr>
-            <a:spLocks noGrp="1"/>
-          </p:cNvSpPr>
-          <p:nvPr>
-            <p:ph type="ftr" sz="quarter" idx="11"/>
-          </p:nvPr>
-        </p:nvSpPr>
-        <p:spPr/>
-        <p:txBody>
-          <a:bodyPr/>
-          <a:lstStyle/>
-          <a:p>
-            <a:r>
-              <a:rPr lang="en-US"/>
-              <a:t>Add a footer</a:t>
-            </a:r>
-            <a:endParaRPr lang="en-US" dirty="0"/>
-          </a:p>
-        </p:txBody>
-      </p:sp>
-    </p:spTree>
-    <p:extLst>
-      <p:ext uri="{BB962C8B-B14F-4D97-AF65-F5344CB8AC3E}">
-        <p14:creationId xmlns:p14="http://schemas.microsoft.com/office/powerpoint/2010/main" val="885617912"/>
-      </p:ext>
-    </p:extLst>
-  </p:cSld>
-  <p:clrMapOvr>
-    <a:masterClrMapping/>
-  </p:clrMapOvr>
-  <mc:AlternateContent xmlns:mc="http://schemas.openxmlformats.org/markup-compatibility/2006" xmlns:p14="http://schemas.microsoft.com/office/powerpoint/2010/main">
-    <mc:Choice Requires="p14">
-      <p:transition spd="med" p14:dur="700">
-        <p:fade/>
-      </p:transition>
-    </mc:Choice>
-    <mc:Fallback xmlns="">
-      <p:transition spd="med">
-        <p:fade/>
-      </p:transition>
-    </mc:Fallback>
-  </mc:AlternateContent>
+  <p:timing>
+    <p:tnLst>
+      <p:par>
+        <p:cTn id="1" dur="indefinite" restart="never" nodeType="tmRoot"/>
+      </p:par>
+    </p:tnLst>
+  </p:timing>
 </p:sld>
 </file>
 
@@ -6510,7 +6506,7 @@
           <p:cNvPr id="2" name="Title 1">
             <a:extLst>
               <a:ext uri="{FF2B5EF4-FFF2-40B4-BE49-F238E27FC236}">
-                <a16:creationId xmlns:a16="http://schemas.microsoft.com/office/drawing/2014/main" xmlns="" id="{7AAD9E9C-644B-40CF-8B60-7CD77F3EAC65}"/>
+                <a16:creationId xmlns="" xmlns:a16="http://schemas.microsoft.com/office/drawing/2014/main" id="{7AAD9E9C-644B-40CF-8B60-7CD77F3EAC65}"/>
               </a:ext>
             </a:extLst>
           </p:cNvPr>
@@ -6538,7 +6534,7 @@
           <p:cNvPr id="3" name="Text Placeholder 2">
             <a:extLst>
               <a:ext uri="{FF2B5EF4-FFF2-40B4-BE49-F238E27FC236}">
-                <a16:creationId xmlns:a16="http://schemas.microsoft.com/office/drawing/2014/main" xmlns="" id="{F1416FA5-60EE-4E88-BF08-02C91A452D67}"/>
+                <a16:creationId xmlns="" xmlns:a16="http://schemas.microsoft.com/office/drawing/2014/main" id="{F1416FA5-60EE-4E88-BF08-02C91A452D67}"/>
               </a:ext>
             </a:extLst>
           </p:cNvPr>
@@ -6563,7 +6559,7 @@
           <p:cNvPr id="4" name="Footer Placeholder 3">
             <a:extLst>
               <a:ext uri="{FF2B5EF4-FFF2-40B4-BE49-F238E27FC236}">
-                <a16:creationId xmlns:a16="http://schemas.microsoft.com/office/drawing/2014/main" xmlns="" id="{C38F2B1D-5AE8-4375-BC2B-5E2210E6B93D}"/>
+                <a16:creationId xmlns="" xmlns:a16="http://schemas.microsoft.com/office/drawing/2014/main" id="{C38F2B1D-5AE8-4375-BC2B-5E2210E6B93D}"/>
               </a:ext>
             </a:extLst>
           </p:cNvPr>
@@ -6630,7 +6626,7 @@
           <p:cNvPr id="2" name="Title 1">
             <a:extLst>
               <a:ext uri="{FF2B5EF4-FFF2-40B4-BE49-F238E27FC236}">
-                <a16:creationId xmlns:a16="http://schemas.microsoft.com/office/drawing/2014/main" xmlns="" id="{E8A3BFC9-1719-40C0-A257-2BFA8C844E46}"/>
+                <a16:creationId xmlns="" xmlns:a16="http://schemas.microsoft.com/office/drawing/2014/main" id="{E8A3BFC9-1719-40C0-A257-2BFA8C844E46}"/>
               </a:ext>
             </a:extLst>
           </p:cNvPr>
@@ -6647,8 +6643,12 @@
           <a:lstStyle/>
           <a:p>
             <a:r>
+              <a:rPr lang="en-US" dirty="0"/>
+              <a:t>Power </a:t>
+            </a:r>
+            <a:r>
               <a:rPr lang="en-US" dirty="0" smtClean="0"/>
-              <a:t>Ohm’s Law Formula</a:t>
+              <a:t>Formula</a:t>
             </a:r>
             <a:endParaRPr lang="en-US" dirty="0"/>
           </a:p>
@@ -6659,7 +6659,7 @@
           <p:cNvPr id="3" name="Content Placeholder 2">
             <a:extLst>
               <a:ext uri="{FF2B5EF4-FFF2-40B4-BE49-F238E27FC236}">
-                <a16:creationId xmlns:a16="http://schemas.microsoft.com/office/drawing/2014/main" xmlns="" id="{17110B9E-FF1E-47BC-B1A7-D9D083B55DC0}"/>
+                <a16:creationId xmlns="" xmlns:a16="http://schemas.microsoft.com/office/drawing/2014/main" id="{17110B9E-FF1E-47BC-B1A7-D9D083B55DC0}"/>
               </a:ext>
             </a:extLst>
           </p:cNvPr>
@@ -6679,30 +6679,13 @@
               <a:buNone/>
             </a:pPr>
             <a:r>
+              <a:rPr lang="en-US" sz="13800" b="1" dirty="0" smtClean="0"/>
+              <a:t>P </a:t>
+            </a:r>
+            <a:r>
               <a:rPr lang="en-US" sz="13800" b="1" dirty="0"/>
-              <a:t>V</a:t>
-            </a:r>
-            <a:r>
-              <a:rPr lang="en-US" sz="13800" b="1" dirty="0" smtClean="0"/>
-              <a:t> </a:t>
-            </a:r>
-            <a:r>
-              <a:rPr lang="en-US" sz="13800" b="1" dirty="0"/>
-              <a:t>= </a:t>
-            </a:r>
-            <a:r>
-              <a:rPr lang="en-US" sz="13800" b="1" dirty="0" smtClean="0"/>
-              <a:t>I </a:t>
-            </a:r>
-            <a:r>
-              <a:rPr lang="en-US" sz="13800" b="1" dirty="0"/>
-              <a:t>x </a:t>
-            </a:r>
-            <a:r>
-              <a:rPr lang="en-US" sz="13800" b="1" dirty="0" smtClean="0"/>
-              <a:t>R</a:t>
-            </a:r>
-            <a:endParaRPr lang="en-US" sz="13800" b="1" dirty="0"/>
+              <a:t>= V x I</a:t>
+            </a:r>
           </a:p>
           <a:p>
             <a:pPr marL="0" indent="0">
@@ -6717,7 +6700,172 @@
           <p:cNvPr id="4" name="Footer Placeholder 3">
             <a:extLst>
               <a:ext uri="{FF2B5EF4-FFF2-40B4-BE49-F238E27FC236}">
-                <a16:creationId xmlns:a16="http://schemas.microsoft.com/office/drawing/2014/main" xmlns="" id="{33008270-D0C2-4BEE-9CDB-02091B79AAF8}"/>
+                <a16:creationId xmlns="" xmlns:a16="http://schemas.microsoft.com/office/drawing/2014/main" id="{33008270-D0C2-4BEE-9CDB-02091B79AAF8}"/>
+              </a:ext>
+            </a:extLst>
+          </p:cNvPr>
+          <p:cNvSpPr>
+            <a:spLocks noGrp="1"/>
+          </p:cNvSpPr>
+          <p:nvPr>
+            <p:ph type="ftr" sz="quarter" idx="11"/>
+          </p:nvPr>
+        </p:nvSpPr>
+        <p:spPr/>
+        <p:txBody>
+          <a:bodyPr/>
+          <a:lstStyle/>
+          <a:p>
+            <a:r>
+              <a:rPr lang="en-US"/>
+              <a:t>Add a footer</a:t>
+            </a:r>
+            <a:endParaRPr lang="en-US" dirty="0"/>
+          </a:p>
+        </p:txBody>
+      </p:sp>
+    </p:spTree>
+    <p:extLst>
+      <p:ext uri="{BB962C8B-B14F-4D97-AF65-F5344CB8AC3E}">
+        <p14:creationId xmlns:p14="http://schemas.microsoft.com/office/powerpoint/2010/main" val="885617912"/>
+      </p:ext>
+    </p:extLst>
+  </p:cSld>
+  <p:clrMapOvr>
+    <a:masterClrMapping/>
+  </p:clrMapOvr>
+  <mc:AlternateContent xmlns:mc="http://schemas.openxmlformats.org/markup-compatibility/2006" xmlns:p14="http://schemas.microsoft.com/office/powerpoint/2010/main">
+    <mc:Choice Requires="p14">
+      <p:transition spd="med" p14:dur="700">
+        <p:fade/>
+      </p:transition>
+    </mc:Choice>
+    <mc:Fallback xmlns="">
+      <p:transition spd="med">
+        <p:fade/>
+      </p:transition>
+    </mc:Fallback>
+  </mc:AlternateContent>
+  <p:timing>
+    <p:tnLst>
+      <p:par>
+        <p:cTn id="1" dur="indefinite" restart="never" nodeType="tmRoot"/>
+      </p:par>
+    </p:tnLst>
+  </p:timing>
+</p:sld>
+</file>
+
+<file path=ppt/slides/slide21.xml><?xml version="1.0" encoding="utf-8"?>
+<p:sld xmlns:a="http://schemas.openxmlformats.org/drawingml/2006/main" xmlns:r="http://schemas.openxmlformats.org/officeDocument/2006/relationships" xmlns:p="http://schemas.openxmlformats.org/presentationml/2006/main">
+  <p:cSld>
+    <p:spTree>
+      <p:nvGrpSpPr>
+        <p:cNvPr id="1" name=""/>
+        <p:cNvGrpSpPr/>
+        <p:nvPr/>
+      </p:nvGrpSpPr>
+      <p:grpSpPr>
+        <a:xfrm>
+          <a:off x="0" y="0"/>
+          <a:ext cx="0" cy="0"/>
+          <a:chOff x="0" y="0"/>
+          <a:chExt cx="0" cy="0"/>
+        </a:xfrm>
+      </p:grpSpPr>
+      <p:sp>
+        <p:nvSpPr>
+          <p:cNvPr id="2" name="Title 1">
+            <a:extLst>
+              <a:ext uri="{FF2B5EF4-FFF2-40B4-BE49-F238E27FC236}">
+                <a16:creationId xmlns="" xmlns:a16="http://schemas.microsoft.com/office/drawing/2014/main" id="{E8A3BFC9-1719-40C0-A257-2BFA8C844E46}"/>
+              </a:ext>
+            </a:extLst>
+          </p:cNvPr>
+          <p:cNvSpPr>
+            <a:spLocks noGrp="1"/>
+          </p:cNvSpPr>
+          <p:nvPr>
+            <p:ph type="title"/>
+          </p:nvPr>
+        </p:nvSpPr>
+        <p:spPr/>
+        <p:txBody>
+          <a:bodyPr/>
+          <a:lstStyle/>
+          <a:p>
+            <a:r>
+              <a:rPr lang="en-US" dirty="0" smtClean="0"/>
+              <a:t>Ohm’s Law Formula</a:t>
+            </a:r>
+            <a:endParaRPr lang="en-US" dirty="0"/>
+          </a:p>
+        </p:txBody>
+      </p:sp>
+      <p:sp>
+        <p:nvSpPr>
+          <p:cNvPr id="3" name="Content Placeholder 2">
+            <a:extLst>
+              <a:ext uri="{FF2B5EF4-FFF2-40B4-BE49-F238E27FC236}">
+                <a16:creationId xmlns="" xmlns:a16="http://schemas.microsoft.com/office/drawing/2014/main" id="{17110B9E-FF1E-47BC-B1A7-D9D083B55DC0}"/>
+              </a:ext>
+            </a:extLst>
+          </p:cNvPr>
+          <p:cNvSpPr>
+            <a:spLocks noGrp="1"/>
+          </p:cNvSpPr>
+          <p:nvPr>
+            <p:ph idx="1"/>
+          </p:nvPr>
+        </p:nvSpPr>
+        <p:spPr/>
+        <p:txBody>
+          <a:bodyPr/>
+          <a:lstStyle/>
+          <a:p>
+            <a:pPr marL="0" indent="0" algn="ctr">
+              <a:buNone/>
+            </a:pPr>
+            <a:r>
+              <a:rPr lang="en-US" sz="13800" b="1" dirty="0"/>
+              <a:t>V</a:t>
+            </a:r>
+            <a:r>
+              <a:rPr lang="en-US" sz="13800" b="1" dirty="0" smtClean="0"/>
+              <a:t> </a:t>
+            </a:r>
+            <a:r>
+              <a:rPr lang="en-US" sz="13800" b="1" dirty="0"/>
+              <a:t>= </a:t>
+            </a:r>
+            <a:r>
+              <a:rPr lang="en-US" sz="13800" b="1" dirty="0" smtClean="0"/>
+              <a:t>I </a:t>
+            </a:r>
+            <a:r>
+              <a:rPr lang="en-US" sz="13800" b="1" dirty="0"/>
+              <a:t>x </a:t>
+            </a:r>
+            <a:r>
+              <a:rPr lang="en-US" sz="13800" b="1" dirty="0" smtClean="0"/>
+              <a:t>R</a:t>
+            </a:r>
+            <a:endParaRPr lang="en-US" sz="13800" b="1" dirty="0"/>
+          </a:p>
+          <a:p>
+            <a:pPr marL="0" indent="0">
+              <a:buNone/>
+            </a:pPr>
+            <a:endParaRPr lang="en-US" b="1" dirty="0"/>
+          </a:p>
+        </p:txBody>
+      </p:sp>
+      <p:sp>
+        <p:nvSpPr>
+          <p:cNvPr id="4" name="Footer Placeholder 3">
+            <a:extLst>
+              <a:ext uri="{FF2B5EF4-FFF2-40B4-BE49-F238E27FC236}">
+                <a16:creationId xmlns="" xmlns:a16="http://schemas.microsoft.com/office/drawing/2014/main" id="{33008270-D0C2-4BEE-9CDB-02091B79AAF8}"/>
               </a:ext>
             </a:extLst>
           </p:cNvPr>
@@ -6763,6 +6911,13 @@
       </p:transition>
     </mc:Fallback>
   </mc:AlternateContent>
+  <p:timing>
+    <p:tnLst>
+      <p:par>
+        <p:cTn id="1" dur="indefinite" restart="never" nodeType="tmRoot"/>
+      </p:par>
+    </p:tnLst>
+  </p:timing>
 </p:sld>
 </file>
 
@@ -6840,7 +6995,7 @@
           <p:cNvPr id="4" name="Footer Placeholder 3">
             <a:extLst>
               <a:ext uri="{FF2B5EF4-FFF2-40B4-BE49-F238E27FC236}">
-                <a16:creationId xmlns:a16="http://schemas.microsoft.com/office/drawing/2014/main" xmlns="" id="{EADFB87E-2A3F-4815-8F5E-3CF3521EBF24}"/>
+                <a16:creationId xmlns="" xmlns:a16="http://schemas.microsoft.com/office/drawing/2014/main" id="{EADFB87E-2A3F-4815-8F5E-3CF3521EBF24}"/>
               </a:ext>
             </a:extLst>
           </p:cNvPr>
@@ -6996,7 +7151,7 @@
           <p:cNvPr id="4" name="Footer Placeholder 3">
             <a:extLst>
               <a:ext uri="{FF2B5EF4-FFF2-40B4-BE49-F238E27FC236}">
-                <a16:creationId xmlns:a16="http://schemas.microsoft.com/office/drawing/2014/main" xmlns="" id="{EADFB87E-2A3F-4815-8F5E-3CF3521EBF24}"/>
+                <a16:creationId xmlns="" xmlns:a16="http://schemas.microsoft.com/office/drawing/2014/main" id="{EADFB87E-2A3F-4815-8F5E-3CF3521EBF24}"/>
               </a:ext>
             </a:extLst>
           </p:cNvPr>
@@ -7066,7 +7221,7 @@
           <p:cNvPr id="2" name="Title 1">
             <a:extLst>
               <a:ext uri="{FF2B5EF4-FFF2-40B4-BE49-F238E27FC236}">
-                <a16:creationId xmlns:a16="http://schemas.microsoft.com/office/drawing/2014/main" xmlns="" id="{BBFF0D00-89FD-4E98-BEB1-3C14257420EC}"/>
+                <a16:creationId xmlns="" xmlns:a16="http://schemas.microsoft.com/office/drawing/2014/main" id="{BBFF0D00-89FD-4E98-BEB1-3C14257420EC}"/>
               </a:ext>
             </a:extLst>
           </p:cNvPr>
@@ -7094,7 +7249,7 @@
           <p:cNvPr id="3" name="Content Placeholder 2">
             <a:extLst>
               <a:ext uri="{FF2B5EF4-FFF2-40B4-BE49-F238E27FC236}">
-                <a16:creationId xmlns:a16="http://schemas.microsoft.com/office/drawing/2014/main" xmlns="" id="{A7BA6B08-D3F4-43CD-81E4-5A5504F85073}"/>
+                <a16:creationId xmlns="" xmlns:a16="http://schemas.microsoft.com/office/drawing/2014/main" id="{A7BA6B08-D3F4-43CD-81E4-5A5504F85073}"/>
               </a:ext>
             </a:extLst>
           </p:cNvPr>
@@ -7212,7 +7367,7 @@
           <p:cNvPr id="4" name="Footer Placeholder 3">
             <a:extLst>
               <a:ext uri="{FF2B5EF4-FFF2-40B4-BE49-F238E27FC236}">
-                <a16:creationId xmlns:a16="http://schemas.microsoft.com/office/drawing/2014/main" xmlns="" id="{7C35F161-54A9-47C9-BB10-85BDF717D57D}"/>
+                <a16:creationId xmlns="" xmlns:a16="http://schemas.microsoft.com/office/drawing/2014/main" id="{7C35F161-54A9-47C9-BB10-85BDF717D57D}"/>
               </a:ext>
             </a:extLst>
           </p:cNvPr>
@@ -7283,7 +7438,7 @@
           <p:cNvPr id="2" name="Title 1">
             <a:extLst>
               <a:ext uri="{FF2B5EF4-FFF2-40B4-BE49-F238E27FC236}">
-                <a16:creationId xmlns:a16="http://schemas.microsoft.com/office/drawing/2014/main" xmlns="" id="{E8A3BFC9-1719-40C0-A257-2BFA8C844E46}"/>
+                <a16:creationId xmlns="" xmlns:a16="http://schemas.microsoft.com/office/drawing/2014/main" id="{E8A3BFC9-1719-40C0-A257-2BFA8C844E46}"/>
               </a:ext>
             </a:extLst>
           </p:cNvPr>
@@ -7311,7 +7466,7 @@
           <p:cNvPr id="3" name="Content Placeholder 2">
             <a:extLst>
               <a:ext uri="{FF2B5EF4-FFF2-40B4-BE49-F238E27FC236}">
-                <a16:creationId xmlns:a16="http://schemas.microsoft.com/office/drawing/2014/main" xmlns="" id="{17110B9E-FF1E-47BC-B1A7-D9D083B55DC0}"/>
+                <a16:creationId xmlns="" xmlns:a16="http://schemas.microsoft.com/office/drawing/2014/main" id="{17110B9E-FF1E-47BC-B1A7-D9D083B55DC0}"/>
               </a:ext>
             </a:extLst>
           </p:cNvPr>
@@ -7358,7 +7513,7 @@
           <p:cNvPr id="4" name="Footer Placeholder 3">
             <a:extLst>
               <a:ext uri="{FF2B5EF4-FFF2-40B4-BE49-F238E27FC236}">
-                <a16:creationId xmlns:a16="http://schemas.microsoft.com/office/drawing/2014/main" xmlns="" id="{33008270-D0C2-4BEE-9CDB-02091B79AAF8}"/>
+                <a16:creationId xmlns="" xmlns:a16="http://schemas.microsoft.com/office/drawing/2014/main" id="{33008270-D0C2-4BEE-9CDB-02091B79AAF8}"/>
               </a:ext>
             </a:extLst>
           </p:cNvPr>
@@ -7429,7 +7584,7 @@
           <p:cNvPr id="2" name="Title 1">
             <a:extLst>
               <a:ext uri="{FF2B5EF4-FFF2-40B4-BE49-F238E27FC236}">
-                <a16:creationId xmlns:a16="http://schemas.microsoft.com/office/drawing/2014/main" xmlns="" id="{E8A3BFC9-1719-40C0-A257-2BFA8C844E46}"/>
+                <a16:creationId xmlns="" xmlns:a16="http://schemas.microsoft.com/office/drawing/2014/main" id="{E8A3BFC9-1719-40C0-A257-2BFA8C844E46}"/>
               </a:ext>
             </a:extLst>
           </p:cNvPr>
@@ -7457,7 +7612,7 @@
           <p:cNvPr id="3" name="Content Placeholder 2">
             <a:extLst>
               <a:ext uri="{FF2B5EF4-FFF2-40B4-BE49-F238E27FC236}">
-                <a16:creationId xmlns:a16="http://schemas.microsoft.com/office/drawing/2014/main" xmlns="" id="{17110B9E-FF1E-47BC-B1A7-D9D083B55DC0}"/>
+                <a16:creationId xmlns="" xmlns:a16="http://schemas.microsoft.com/office/drawing/2014/main" id="{17110B9E-FF1E-47BC-B1A7-D9D083B55DC0}"/>
               </a:ext>
             </a:extLst>
           </p:cNvPr>
@@ -7571,7 +7726,7 @@
           <p:cNvPr id="4" name="Footer Placeholder 3">
             <a:extLst>
               <a:ext uri="{FF2B5EF4-FFF2-40B4-BE49-F238E27FC236}">
-                <a16:creationId xmlns:a16="http://schemas.microsoft.com/office/drawing/2014/main" xmlns="" id="{33008270-D0C2-4BEE-9CDB-02091B79AAF8}"/>
+                <a16:creationId xmlns="" xmlns:a16="http://schemas.microsoft.com/office/drawing/2014/main" id="{33008270-D0C2-4BEE-9CDB-02091B79AAF8}"/>
               </a:ext>
             </a:extLst>
           </p:cNvPr>
@@ -7642,7 +7797,7 @@
           <p:cNvPr id="2" name="Title 1">
             <a:extLst>
               <a:ext uri="{FF2B5EF4-FFF2-40B4-BE49-F238E27FC236}">
-                <a16:creationId xmlns:a16="http://schemas.microsoft.com/office/drawing/2014/main" xmlns="" id="{E8A3BFC9-1719-40C0-A257-2BFA8C844E46}"/>
+                <a16:creationId xmlns="" xmlns:a16="http://schemas.microsoft.com/office/drawing/2014/main" id="{E8A3BFC9-1719-40C0-A257-2BFA8C844E46}"/>
               </a:ext>
             </a:extLst>
           </p:cNvPr>
@@ -7670,7 +7825,7 @@
           <p:cNvPr id="3" name="Content Placeholder 2">
             <a:extLst>
               <a:ext uri="{FF2B5EF4-FFF2-40B4-BE49-F238E27FC236}">
-                <a16:creationId xmlns:a16="http://schemas.microsoft.com/office/drawing/2014/main" xmlns="" id="{17110B9E-FF1E-47BC-B1A7-D9D083B55DC0}"/>
+                <a16:creationId xmlns="" xmlns:a16="http://schemas.microsoft.com/office/drawing/2014/main" id="{17110B9E-FF1E-47BC-B1A7-D9D083B55DC0}"/>
               </a:ext>
             </a:extLst>
           </p:cNvPr>
@@ -7810,7 +7965,7 @@
           <p:cNvPr id="4" name="Footer Placeholder 3">
             <a:extLst>
               <a:ext uri="{FF2B5EF4-FFF2-40B4-BE49-F238E27FC236}">
-                <a16:creationId xmlns:a16="http://schemas.microsoft.com/office/drawing/2014/main" xmlns="" id="{33008270-D0C2-4BEE-9CDB-02091B79AAF8}"/>
+                <a16:creationId xmlns="" xmlns:a16="http://schemas.microsoft.com/office/drawing/2014/main" id="{33008270-D0C2-4BEE-9CDB-02091B79AAF8}"/>
               </a:ext>
             </a:extLst>
           </p:cNvPr>
@@ -7881,7 +8036,7 @@
           <p:cNvPr id="2" name="Title 1">
             <a:extLst>
               <a:ext uri="{FF2B5EF4-FFF2-40B4-BE49-F238E27FC236}">
-                <a16:creationId xmlns:a16="http://schemas.microsoft.com/office/drawing/2014/main" xmlns="" id="{06452DC8-C88F-4500-AFF1-57ABD0F409A2}"/>
+                <a16:creationId xmlns="" xmlns:a16="http://schemas.microsoft.com/office/drawing/2014/main" id="{06452DC8-C88F-4500-AFF1-57ABD0F409A2}"/>
               </a:ext>
             </a:extLst>
           </p:cNvPr>
@@ -7909,7 +8064,7 @@
           <p:cNvPr id="3" name="Content Placeholder 2">
             <a:extLst>
               <a:ext uri="{FF2B5EF4-FFF2-40B4-BE49-F238E27FC236}">
-                <a16:creationId xmlns:a16="http://schemas.microsoft.com/office/drawing/2014/main" xmlns="" id="{EDC27465-3270-493B-85BE-2B770606A572}"/>
+                <a16:creationId xmlns="" xmlns:a16="http://schemas.microsoft.com/office/drawing/2014/main" id="{EDC27465-3270-493B-85BE-2B770606A572}"/>
               </a:ext>
             </a:extLst>
           </p:cNvPr>
@@ -7951,7 +8106,7 @@
           <p:cNvPr id="4" name="Footer Placeholder 3">
             <a:extLst>
               <a:ext uri="{FF2B5EF4-FFF2-40B4-BE49-F238E27FC236}">
-                <a16:creationId xmlns:a16="http://schemas.microsoft.com/office/drawing/2014/main" xmlns="" id="{A6E0C9E9-5759-45CA-AC89-D31D254DCFC7}"/>
+                <a16:creationId xmlns="" xmlns:a16="http://schemas.microsoft.com/office/drawing/2014/main" id="{A6E0C9E9-5759-45CA-AC89-D31D254DCFC7}"/>
               </a:ext>
             </a:extLst>
           </p:cNvPr>
